--- a/AcademyClass/JSP/PPT_JSP/05쿠키&세션.pptx
+++ b/AcademyClass/JSP/PPT_JSP/05쿠키&세션.pptx
@@ -137,6 +137,22 @@
       </a:defRPr>
     </a:lvl9pPr>
   </p:defaultTextStyle>
+  <p:extLst>
+    <p:ext uri="{EFAFB233-063F-42B5-8137-9DF3F51BA10A}">
+      <p15:sldGuideLst xmlns:p15="http://schemas.microsoft.com/office/powerpoint/2012/main">
+        <p15:guide id="1" orient="horz" pos="2160">
+          <p15:clr>
+            <a:srgbClr val="A4A3A4"/>
+          </p15:clr>
+        </p15:guide>
+        <p15:guide id="2" pos="2880">
+          <p15:clr>
+            <a:srgbClr val="A4A3A4"/>
+          </p15:clr>
+        </p15:guide>
+      </p15:sldGuideLst>
+    </p:ext>
+  </p:extLst>
 </p:presentation>
 </file>
 
@@ -223,7 +239,7 @@
             <a:fld id="{1F2CCC5D-132D-4DA7-81FA-9EBF58E91070}" type="datetimeFigureOut">
               <a:rPr lang="ko-KR" altLang="en-US" smtClean="0"/>
               <a:pPr/>
-              <a:t>2019-10-14</a:t>
+              <a:t>2024-03-27</a:t>
             </a:fld>
             <a:endParaRPr lang="ko-KR" altLang="en-US"/>
           </a:p>
@@ -392,7 +408,7 @@
     </p:spTree>
     <p:extLst>
       <p:ext uri="{BB962C8B-B14F-4D97-AF65-F5344CB8AC3E}">
-        <p14:creationId xmlns:p14="http://schemas.microsoft.com/office/powerpoint/2010/main" xmlns="" val="3991387801"/>
+        <p14:creationId xmlns:p14="http://schemas.microsoft.com/office/powerpoint/2010/main" val="3991387801"/>
       </p:ext>
     </p:extLst>
   </p:cSld>
@@ -575,7 +591,7 @@
     </p:spTree>
     <p:extLst>
       <p:ext uri="{BB962C8B-B14F-4D97-AF65-F5344CB8AC3E}">
-        <p14:creationId xmlns:p14="http://schemas.microsoft.com/office/powerpoint/2010/main" xmlns="" val="2689432294"/>
+        <p14:creationId xmlns:p14="http://schemas.microsoft.com/office/powerpoint/2010/main" val="2689432294"/>
       </p:ext>
     </p:extLst>
   </p:cSld>
@@ -767,7 +783,7 @@
             <a:fld id="{945CA99F-7021-4A81-BE66-6CA625D4B2D7}" type="datetimeFigureOut">
               <a:rPr lang="ko-KR" altLang="en-US" smtClean="0"/>
               <a:pPr/>
-              <a:t>2019-10-14</a:t>
+              <a:t>2024-03-27</a:t>
             </a:fld>
             <a:endParaRPr lang="ko-KR" altLang="en-US"/>
           </a:p>
@@ -819,7 +835,7 @@
     </p:spTree>
     <p:extLst>
       <p:ext uri="{BB962C8B-B14F-4D97-AF65-F5344CB8AC3E}">
-        <p14:creationId xmlns:p14="http://schemas.microsoft.com/office/powerpoint/2010/main" xmlns="" val="3042242420"/>
+        <p14:creationId xmlns:p14="http://schemas.microsoft.com/office/powerpoint/2010/main" val="3042242420"/>
       </p:ext>
     </p:extLst>
   </p:cSld>
@@ -939,7 +955,7 @@
             <a:fld id="{945CA99F-7021-4A81-BE66-6CA625D4B2D7}" type="datetimeFigureOut">
               <a:rPr lang="ko-KR" altLang="en-US" smtClean="0"/>
               <a:pPr/>
-              <a:t>2019-10-14</a:t>
+              <a:t>2024-03-27</a:t>
             </a:fld>
             <a:endParaRPr lang="ko-KR" altLang="en-US"/>
           </a:p>
@@ -991,7 +1007,7 @@
     </p:spTree>
     <p:extLst>
       <p:ext uri="{BB962C8B-B14F-4D97-AF65-F5344CB8AC3E}">
-        <p14:creationId xmlns:p14="http://schemas.microsoft.com/office/powerpoint/2010/main" xmlns="" val="2640322098"/>
+        <p14:creationId xmlns:p14="http://schemas.microsoft.com/office/powerpoint/2010/main" val="2640322098"/>
       </p:ext>
     </p:extLst>
   </p:cSld>
@@ -1121,7 +1137,7 @@
             <a:fld id="{945CA99F-7021-4A81-BE66-6CA625D4B2D7}" type="datetimeFigureOut">
               <a:rPr lang="ko-KR" altLang="en-US" smtClean="0"/>
               <a:pPr/>
-              <a:t>2019-10-14</a:t>
+              <a:t>2024-03-27</a:t>
             </a:fld>
             <a:endParaRPr lang="ko-KR" altLang="en-US"/>
           </a:p>
@@ -1173,7 +1189,7 @@
     </p:spTree>
     <p:extLst>
       <p:ext uri="{BB962C8B-B14F-4D97-AF65-F5344CB8AC3E}">
-        <p14:creationId xmlns:p14="http://schemas.microsoft.com/office/powerpoint/2010/main" xmlns="" val="1938956525"/>
+        <p14:creationId xmlns:p14="http://schemas.microsoft.com/office/powerpoint/2010/main" val="1938956525"/>
       </p:ext>
     </p:extLst>
   </p:cSld>
@@ -1293,7 +1309,7 @@
             <a:fld id="{945CA99F-7021-4A81-BE66-6CA625D4B2D7}" type="datetimeFigureOut">
               <a:rPr lang="ko-KR" altLang="en-US" smtClean="0"/>
               <a:pPr/>
-              <a:t>2019-10-14</a:t>
+              <a:t>2024-03-27</a:t>
             </a:fld>
             <a:endParaRPr lang="ko-KR" altLang="en-US"/>
           </a:p>
@@ -1345,7 +1361,7 @@
     </p:spTree>
     <p:extLst>
       <p:ext uri="{BB962C8B-B14F-4D97-AF65-F5344CB8AC3E}">
-        <p14:creationId xmlns:p14="http://schemas.microsoft.com/office/powerpoint/2010/main" xmlns="" val="4011886084"/>
+        <p14:creationId xmlns:p14="http://schemas.microsoft.com/office/powerpoint/2010/main" val="4011886084"/>
       </p:ext>
     </p:extLst>
   </p:cSld>
@@ -1541,7 +1557,7 @@
             <a:fld id="{945CA99F-7021-4A81-BE66-6CA625D4B2D7}" type="datetimeFigureOut">
               <a:rPr lang="ko-KR" altLang="en-US" smtClean="0"/>
               <a:pPr/>
-              <a:t>2019-10-14</a:t>
+              <a:t>2024-03-27</a:t>
             </a:fld>
             <a:endParaRPr lang="ko-KR" altLang="en-US"/>
           </a:p>
@@ -1593,7 +1609,7 @@
     </p:spTree>
     <p:extLst>
       <p:ext uri="{BB962C8B-B14F-4D97-AF65-F5344CB8AC3E}">
-        <p14:creationId xmlns:p14="http://schemas.microsoft.com/office/powerpoint/2010/main" xmlns="" val="3337819303"/>
+        <p14:creationId xmlns:p14="http://schemas.microsoft.com/office/powerpoint/2010/main" val="3337819303"/>
       </p:ext>
     </p:extLst>
   </p:cSld>
@@ -1831,7 +1847,7 @@
             <a:fld id="{945CA99F-7021-4A81-BE66-6CA625D4B2D7}" type="datetimeFigureOut">
               <a:rPr lang="ko-KR" altLang="en-US" smtClean="0"/>
               <a:pPr/>
-              <a:t>2019-10-14</a:t>
+              <a:t>2024-03-27</a:t>
             </a:fld>
             <a:endParaRPr lang="ko-KR" altLang="en-US"/>
           </a:p>
@@ -1883,7 +1899,7 @@
     </p:spTree>
     <p:extLst>
       <p:ext uri="{BB962C8B-B14F-4D97-AF65-F5344CB8AC3E}">
-        <p14:creationId xmlns:p14="http://schemas.microsoft.com/office/powerpoint/2010/main" xmlns="" val="1750133566"/>
+        <p14:creationId xmlns:p14="http://schemas.microsoft.com/office/powerpoint/2010/main" val="1750133566"/>
       </p:ext>
     </p:extLst>
   </p:cSld>
@@ -2255,7 +2271,7 @@
             <a:fld id="{945CA99F-7021-4A81-BE66-6CA625D4B2D7}" type="datetimeFigureOut">
               <a:rPr lang="ko-KR" altLang="en-US" smtClean="0"/>
               <a:pPr/>
-              <a:t>2019-10-14</a:t>
+              <a:t>2024-03-27</a:t>
             </a:fld>
             <a:endParaRPr lang="ko-KR" altLang="en-US"/>
           </a:p>
@@ -2307,7 +2323,7 @@
     </p:spTree>
     <p:extLst>
       <p:ext uri="{BB962C8B-B14F-4D97-AF65-F5344CB8AC3E}">
-        <p14:creationId xmlns:p14="http://schemas.microsoft.com/office/powerpoint/2010/main" xmlns="" val="4075961894"/>
+        <p14:creationId xmlns:p14="http://schemas.microsoft.com/office/powerpoint/2010/main" val="4075961894"/>
       </p:ext>
     </p:extLst>
   </p:cSld>
@@ -2375,7 +2391,7 @@
             <a:fld id="{945CA99F-7021-4A81-BE66-6CA625D4B2D7}" type="datetimeFigureOut">
               <a:rPr lang="ko-KR" altLang="en-US" smtClean="0"/>
               <a:pPr/>
-              <a:t>2019-10-14</a:t>
+              <a:t>2024-03-27</a:t>
             </a:fld>
             <a:endParaRPr lang="ko-KR" altLang="en-US"/>
           </a:p>
@@ -2427,7 +2443,7 @@
     </p:spTree>
     <p:extLst>
       <p:ext uri="{BB962C8B-B14F-4D97-AF65-F5344CB8AC3E}">
-        <p14:creationId xmlns:p14="http://schemas.microsoft.com/office/powerpoint/2010/main" xmlns="" val="160236962"/>
+        <p14:creationId xmlns:p14="http://schemas.microsoft.com/office/powerpoint/2010/main" val="160236962"/>
       </p:ext>
     </p:extLst>
   </p:cSld>
@@ -2472,7 +2488,7 @@
             <a:fld id="{945CA99F-7021-4A81-BE66-6CA625D4B2D7}" type="datetimeFigureOut">
               <a:rPr lang="ko-KR" altLang="en-US" smtClean="0"/>
               <a:pPr/>
-              <a:t>2019-10-14</a:t>
+              <a:t>2024-03-27</a:t>
             </a:fld>
             <a:endParaRPr lang="ko-KR" altLang="en-US"/>
           </a:p>
@@ -2524,7 +2540,7 @@
     </p:spTree>
     <p:extLst>
       <p:ext uri="{BB962C8B-B14F-4D97-AF65-F5344CB8AC3E}">
-        <p14:creationId xmlns:p14="http://schemas.microsoft.com/office/powerpoint/2010/main" xmlns="" val="1690512713"/>
+        <p14:creationId xmlns:p14="http://schemas.microsoft.com/office/powerpoint/2010/main" val="1690512713"/>
       </p:ext>
     </p:extLst>
   </p:cSld>
@@ -2751,7 +2767,7 @@
             <a:fld id="{945CA99F-7021-4A81-BE66-6CA625D4B2D7}" type="datetimeFigureOut">
               <a:rPr lang="ko-KR" altLang="en-US" smtClean="0"/>
               <a:pPr/>
-              <a:t>2019-10-14</a:t>
+              <a:t>2024-03-27</a:t>
             </a:fld>
             <a:endParaRPr lang="ko-KR" altLang="en-US"/>
           </a:p>
@@ -2803,7 +2819,7 @@
     </p:spTree>
     <p:extLst>
       <p:ext uri="{BB962C8B-B14F-4D97-AF65-F5344CB8AC3E}">
-        <p14:creationId xmlns:p14="http://schemas.microsoft.com/office/powerpoint/2010/main" xmlns="" val="2899198138"/>
+        <p14:creationId xmlns:p14="http://schemas.microsoft.com/office/powerpoint/2010/main" val="2899198138"/>
       </p:ext>
     </p:extLst>
   </p:cSld>
@@ -3006,7 +3022,7 @@
             <a:fld id="{945CA99F-7021-4A81-BE66-6CA625D4B2D7}" type="datetimeFigureOut">
               <a:rPr lang="ko-KR" altLang="en-US" smtClean="0"/>
               <a:pPr/>
-              <a:t>2019-10-14</a:t>
+              <a:t>2024-03-27</a:t>
             </a:fld>
             <a:endParaRPr lang="ko-KR" altLang="en-US"/>
           </a:p>
@@ -3058,7 +3074,7 @@
     </p:spTree>
     <p:extLst>
       <p:ext uri="{BB962C8B-B14F-4D97-AF65-F5344CB8AC3E}">
-        <p14:creationId xmlns:p14="http://schemas.microsoft.com/office/powerpoint/2010/main" xmlns="" val="2991236416"/>
+        <p14:creationId xmlns:p14="http://schemas.microsoft.com/office/powerpoint/2010/main" val="2991236416"/>
       </p:ext>
     </p:extLst>
   </p:cSld>
@@ -3221,7 +3237,7 @@
             <a:fld id="{945CA99F-7021-4A81-BE66-6CA625D4B2D7}" type="datetimeFigureOut">
               <a:rPr lang="ko-KR" altLang="en-US" smtClean="0"/>
               <a:pPr/>
-              <a:t>2019-10-14</a:t>
+              <a:t>2024-03-27</a:t>
             </a:fld>
             <a:endParaRPr lang="ko-KR" altLang="en-US"/>
           </a:p>
@@ -3309,7 +3325,7 @@
     </p:spTree>
     <p:extLst>
       <p:ext uri="{BB962C8B-B14F-4D97-AF65-F5344CB8AC3E}">
-        <p14:creationId xmlns:p14="http://schemas.microsoft.com/office/powerpoint/2010/main" xmlns="" val="91344176"/>
+        <p14:creationId xmlns:p14="http://schemas.microsoft.com/office/powerpoint/2010/main" val="91344176"/>
       </p:ext>
     </p:extLst>
   </p:cSld>
@@ -3826,7 +3842,7 @@
     </p:spTree>
     <p:extLst>
       <p:ext uri="{BB962C8B-B14F-4D97-AF65-F5344CB8AC3E}">
-        <p14:creationId xmlns:p14="http://schemas.microsoft.com/office/powerpoint/2010/main" xmlns="" val="2864690674"/>
+        <p14:creationId xmlns:p14="http://schemas.microsoft.com/office/powerpoint/2010/main" val="2864690674"/>
       </p:ext>
     </p:extLst>
   </p:cSld>
@@ -4086,14 +4102,14 @@
           <a:effectLst/>
           <a:extLst>
             <a:ext uri="{909E8E84-426E-40DD-AFC4-6F175D3DCCD1}">
-              <a14:hiddenFill xmlns:a14="http://schemas.microsoft.com/office/drawing/2010/main" xmlns="">
+              <a14:hiddenFill xmlns:a14="http://schemas.microsoft.com/office/drawing/2010/main">
                 <a:solidFill>
                   <a:schemeClr val="accent1"/>
                 </a:solidFill>
               </a14:hiddenFill>
             </a:ext>
             <a:ext uri="{91240B29-F687-4F45-9708-019B960494DF}">
-              <a14:hiddenLine xmlns:a14="http://schemas.microsoft.com/office/drawing/2010/main" xmlns="" w="9525">
+              <a14:hiddenLine xmlns:a14="http://schemas.microsoft.com/office/drawing/2010/main" w="9525">
                 <a:solidFill>
                   <a:schemeClr val="tx1"/>
                 </a:solidFill>
@@ -4103,7 +4119,7 @@
               </a14:hiddenLine>
             </a:ext>
             <a:ext uri="{AF507438-7753-43E0-B8FC-AC1667EBCBE1}">
-              <a14:hiddenEffects xmlns:a14="http://schemas.microsoft.com/office/drawing/2010/main" xmlns="">
+              <a14:hiddenEffects xmlns:a14="http://schemas.microsoft.com/office/drawing/2010/main">
                 <a:effectLst>
                   <a:outerShdw dist="35921" dir="2700000" algn="ctr" rotWithShape="0">
                     <a:schemeClr val="bg2"/>
@@ -4135,7 +4151,7 @@
           <p:nvPr>
             <p:extLst>
               <p:ext uri="{D42A27DB-BD31-4B8C-83A1-F6EECF244321}">
-                <p14:modId xmlns:p14="http://schemas.microsoft.com/office/powerpoint/2010/main" xmlns="" val="4181106415"/>
+                <p14:modId xmlns:p14="http://schemas.microsoft.com/office/powerpoint/2010/main" val="4181106415"/>
               </p:ext>
             </p:extLst>
           </p:nvPr>
@@ -4149,8 +4165,20 @@
             <a:tbl>
               <a:tblPr/>
               <a:tblGrid>
-                <a:gridCol w="3456384"/>
-                <a:gridCol w="5148190"/>
+                <a:gridCol w="3456384">
+                  <a:extLst>
+                    <a:ext uri="{9D8B030D-6E8A-4147-A177-3AD203B41FA5}">
+                      <a16:colId xmlns:a16="http://schemas.microsoft.com/office/drawing/2014/main" val="20000"/>
+                    </a:ext>
+                  </a:extLst>
+                </a:gridCol>
+                <a:gridCol w="5148190">
+                  <a:extLst>
+                    <a:ext uri="{9D8B030D-6E8A-4147-A177-3AD203B41FA5}">
+                      <a16:colId xmlns:a16="http://schemas.microsoft.com/office/drawing/2014/main" val="20001"/>
+                    </a:ext>
+                  </a:extLst>
+                </a:gridCol>
               </a:tblGrid>
               <a:tr h="185801">
                 <a:tc>
@@ -4301,6 +4329,11 @@
                     </a:lnB>
                   </a:tcPr>
                 </a:tc>
+                <a:extLst>
+                  <a:ext uri="{0D108BD9-81ED-4DB2-BD59-A6C34878D82A}">
+                    <a16:rowId xmlns:a16="http://schemas.microsoft.com/office/drawing/2014/main" val="10000"/>
+                  </a:ext>
+                </a:extLst>
               </a:tr>
               <a:tr h="185801">
                 <a:tc>
@@ -4467,6 +4500,11 @@
                     </a:lnB>
                   </a:tcPr>
                 </a:tc>
+                <a:extLst>
+                  <a:ext uri="{0D108BD9-81ED-4DB2-BD59-A6C34878D82A}">
+                    <a16:rowId xmlns:a16="http://schemas.microsoft.com/office/drawing/2014/main" val="10001"/>
+                  </a:ext>
+                </a:extLst>
               </a:tr>
               <a:tr h="185801">
                 <a:tc>
@@ -4613,6 +4651,11 @@
                     </a:lnB>
                   </a:tcPr>
                 </a:tc>
+                <a:extLst>
+                  <a:ext uri="{0D108BD9-81ED-4DB2-BD59-A6C34878D82A}">
+                    <a16:rowId xmlns:a16="http://schemas.microsoft.com/office/drawing/2014/main" val="10002"/>
+                  </a:ext>
+                </a:extLst>
               </a:tr>
               <a:tr h="185801">
                 <a:tc>
@@ -4759,6 +4802,11 @@
                     </a:lnB>
                   </a:tcPr>
                 </a:tc>
+                <a:extLst>
+                  <a:ext uri="{0D108BD9-81ED-4DB2-BD59-A6C34878D82A}">
+                    <a16:rowId xmlns:a16="http://schemas.microsoft.com/office/drawing/2014/main" val="10003"/>
+                  </a:ext>
+                </a:extLst>
               </a:tr>
               <a:tr h="185801">
                 <a:tc>
@@ -4925,6 +4973,11 @@
                     </a:lnB>
                   </a:tcPr>
                 </a:tc>
+                <a:extLst>
+                  <a:ext uri="{0D108BD9-81ED-4DB2-BD59-A6C34878D82A}">
+                    <a16:rowId xmlns:a16="http://schemas.microsoft.com/office/drawing/2014/main" val="10004"/>
+                  </a:ext>
+                </a:extLst>
               </a:tr>
               <a:tr h="185801">
                 <a:tc>
@@ -5071,6 +5124,11 @@
                     </a:lnB>
                   </a:tcPr>
                 </a:tc>
+                <a:extLst>
+                  <a:ext uri="{0D108BD9-81ED-4DB2-BD59-A6C34878D82A}">
+                    <a16:rowId xmlns:a16="http://schemas.microsoft.com/office/drawing/2014/main" val="10005"/>
+                  </a:ext>
+                </a:extLst>
               </a:tr>
             </a:tbl>
           </a:graphicData>
@@ -5099,14 +5157,14 @@
           <a:effectLst/>
           <a:extLst>
             <a:ext uri="{909E8E84-426E-40DD-AFC4-6F175D3DCCD1}">
-              <a14:hiddenFill xmlns:a14="http://schemas.microsoft.com/office/drawing/2010/main" xmlns="">
+              <a14:hiddenFill xmlns:a14="http://schemas.microsoft.com/office/drawing/2010/main">
                 <a:solidFill>
                   <a:schemeClr val="accent1"/>
                 </a:solidFill>
               </a14:hiddenFill>
             </a:ext>
             <a:ext uri="{91240B29-F687-4F45-9708-019B960494DF}">
-              <a14:hiddenLine xmlns:a14="http://schemas.microsoft.com/office/drawing/2010/main" xmlns="" w="9525">
+              <a14:hiddenLine xmlns:a14="http://schemas.microsoft.com/office/drawing/2010/main" w="9525">
                 <a:solidFill>
                   <a:schemeClr val="tx1"/>
                 </a:solidFill>
@@ -5116,7 +5174,7 @@
               </a14:hiddenLine>
             </a:ext>
             <a:ext uri="{AF507438-7753-43E0-B8FC-AC1667EBCBE1}">
-              <a14:hiddenEffects xmlns:a14="http://schemas.microsoft.com/office/drawing/2010/main" xmlns="">
+              <a14:hiddenEffects xmlns:a14="http://schemas.microsoft.com/office/drawing/2010/main">
                 <a:effectLst>
                   <a:outerShdw dist="35921" dir="2700000" algn="ctr" rotWithShape="0">
                     <a:schemeClr val="bg2"/>
@@ -5142,7 +5200,7 @@
     </p:spTree>
     <p:extLst>
       <p:ext uri="{BB962C8B-B14F-4D97-AF65-F5344CB8AC3E}">
-        <p14:creationId xmlns:p14="http://schemas.microsoft.com/office/powerpoint/2010/main" xmlns="" val="4129713075"/>
+        <p14:creationId xmlns:p14="http://schemas.microsoft.com/office/powerpoint/2010/main" val="4129713075"/>
       </p:ext>
     </p:extLst>
   </p:cSld>
@@ -5192,14 +5250,14 @@
           <a:effectLst/>
           <a:extLst>
             <a:ext uri="{909E8E84-426E-40DD-AFC4-6F175D3DCCD1}">
-              <a14:hiddenFill xmlns:a14="http://schemas.microsoft.com/office/drawing/2010/main" xmlns="">
+              <a14:hiddenFill xmlns:a14="http://schemas.microsoft.com/office/drawing/2010/main">
                 <a:solidFill>
                   <a:schemeClr val="accent1"/>
                 </a:solidFill>
               </a14:hiddenFill>
             </a:ext>
             <a:ext uri="{91240B29-F687-4F45-9708-019B960494DF}">
-              <a14:hiddenLine xmlns:a14="http://schemas.microsoft.com/office/drawing/2010/main" xmlns="" w="9525">
+              <a14:hiddenLine xmlns:a14="http://schemas.microsoft.com/office/drawing/2010/main" w="9525">
                 <a:solidFill>
                   <a:schemeClr val="tx1"/>
                 </a:solidFill>
@@ -5209,7 +5267,7 @@
               </a14:hiddenLine>
             </a:ext>
             <a:ext uri="{AF507438-7753-43E0-B8FC-AC1667EBCBE1}">
-              <a14:hiddenEffects xmlns:a14="http://schemas.microsoft.com/office/drawing/2010/main" xmlns="">
+              <a14:hiddenEffects xmlns:a14="http://schemas.microsoft.com/office/drawing/2010/main">
                 <a:effectLst>
                   <a:outerShdw dist="35921" dir="2700000" algn="ctr" rotWithShape="0">
                     <a:schemeClr val="bg2"/>
@@ -5241,7 +5299,7 @@
           <p:nvPr>
             <p:extLst>
               <p:ext uri="{D42A27DB-BD31-4B8C-83A1-F6EECF244321}">
-                <p14:modId xmlns:p14="http://schemas.microsoft.com/office/powerpoint/2010/main" xmlns="" val="1204885282"/>
+                <p14:modId xmlns:p14="http://schemas.microsoft.com/office/powerpoint/2010/main" val="1204885282"/>
               </p:ext>
             </p:extLst>
           </p:nvPr>
@@ -5255,8 +5313,20 @@
             <a:tbl>
               <a:tblPr/>
               <a:tblGrid>
-                <a:gridCol w="3096344"/>
-                <a:gridCol w="5508230"/>
+                <a:gridCol w="3096344">
+                  <a:extLst>
+                    <a:ext uri="{9D8B030D-6E8A-4147-A177-3AD203B41FA5}">
+                      <a16:colId xmlns:a16="http://schemas.microsoft.com/office/drawing/2014/main" val="20000"/>
+                    </a:ext>
+                  </a:extLst>
+                </a:gridCol>
+                <a:gridCol w="5508230">
+                  <a:extLst>
+                    <a:ext uri="{9D8B030D-6E8A-4147-A177-3AD203B41FA5}">
+                      <a16:colId xmlns:a16="http://schemas.microsoft.com/office/drawing/2014/main" val="20001"/>
+                    </a:ext>
+                  </a:extLst>
+                </a:gridCol>
               </a:tblGrid>
               <a:tr h="185801">
                 <a:tc>
@@ -5407,6 +5477,11 @@
                     </a:lnB>
                   </a:tcPr>
                 </a:tc>
+                <a:extLst>
+                  <a:ext uri="{0D108BD9-81ED-4DB2-BD59-A6C34878D82A}">
+                    <a16:rowId xmlns:a16="http://schemas.microsoft.com/office/drawing/2014/main" val="10000"/>
+                  </a:ext>
+                </a:extLst>
               </a:tr>
               <a:tr h="185801">
                 <a:tc>
@@ -5573,6 +5648,11 @@
                     </a:lnB>
                   </a:tcPr>
                 </a:tc>
+                <a:extLst>
+                  <a:ext uri="{0D108BD9-81ED-4DB2-BD59-A6C34878D82A}">
+                    <a16:rowId xmlns:a16="http://schemas.microsoft.com/office/drawing/2014/main" val="10001"/>
+                  </a:ext>
+                </a:extLst>
               </a:tr>
               <a:tr h="185801">
                 <a:tc>
@@ -5719,6 +5799,11 @@
                     </a:lnB>
                   </a:tcPr>
                 </a:tc>
+                <a:extLst>
+                  <a:ext uri="{0D108BD9-81ED-4DB2-BD59-A6C34878D82A}">
+                    <a16:rowId xmlns:a16="http://schemas.microsoft.com/office/drawing/2014/main" val="10002"/>
+                  </a:ext>
+                </a:extLst>
               </a:tr>
             </a:tbl>
           </a:graphicData>
@@ -5747,14 +5832,14 @@
           <a:effectLst/>
           <a:extLst>
             <a:ext uri="{909E8E84-426E-40DD-AFC4-6F175D3DCCD1}">
-              <a14:hiddenFill xmlns:a14="http://schemas.microsoft.com/office/drawing/2010/main" xmlns="">
+              <a14:hiddenFill xmlns:a14="http://schemas.microsoft.com/office/drawing/2010/main">
                 <a:solidFill>
                   <a:schemeClr val="accent1"/>
                 </a:solidFill>
               </a14:hiddenFill>
             </a:ext>
             <a:ext uri="{91240B29-F687-4F45-9708-019B960494DF}">
-              <a14:hiddenLine xmlns:a14="http://schemas.microsoft.com/office/drawing/2010/main" xmlns="" w="9525">
+              <a14:hiddenLine xmlns:a14="http://schemas.microsoft.com/office/drawing/2010/main" w="9525">
                 <a:solidFill>
                   <a:schemeClr val="tx1"/>
                 </a:solidFill>
@@ -5764,7 +5849,7 @@
               </a14:hiddenLine>
             </a:ext>
             <a:ext uri="{AF507438-7753-43E0-B8FC-AC1667EBCBE1}">
-              <a14:hiddenEffects xmlns:a14="http://schemas.microsoft.com/office/drawing/2010/main" xmlns="">
+              <a14:hiddenEffects xmlns:a14="http://schemas.microsoft.com/office/drawing/2010/main">
                 <a:effectLst>
                   <a:outerShdw dist="35921" dir="2700000" algn="ctr" rotWithShape="0">
                     <a:schemeClr val="bg2"/>
@@ -5796,7 +5881,7 @@
           <p:nvPr>
             <p:extLst>
               <p:ext uri="{D42A27DB-BD31-4B8C-83A1-F6EECF244321}">
-                <p14:modId xmlns:p14="http://schemas.microsoft.com/office/powerpoint/2010/main" xmlns="" val="1473034805"/>
+                <p14:modId xmlns:p14="http://schemas.microsoft.com/office/powerpoint/2010/main" val="1473034805"/>
               </p:ext>
             </p:extLst>
           </p:nvPr>
@@ -5810,8 +5895,20 @@
             <a:tbl>
               <a:tblPr/>
               <a:tblGrid>
-                <a:gridCol w="3074352"/>
-                <a:gridCol w="5566608"/>
+                <a:gridCol w="3074352">
+                  <a:extLst>
+                    <a:ext uri="{9D8B030D-6E8A-4147-A177-3AD203B41FA5}">
+                      <a16:colId xmlns:a16="http://schemas.microsoft.com/office/drawing/2014/main" val="20000"/>
+                    </a:ext>
+                  </a:extLst>
+                </a:gridCol>
+                <a:gridCol w="5566608">
+                  <a:extLst>
+                    <a:ext uri="{9D8B030D-6E8A-4147-A177-3AD203B41FA5}">
+                      <a16:colId xmlns:a16="http://schemas.microsoft.com/office/drawing/2014/main" val="20001"/>
+                    </a:ext>
+                  </a:extLst>
+                </a:gridCol>
               </a:tblGrid>
               <a:tr h="185801">
                 <a:tc>
@@ -5988,6 +6085,11 @@
                     </a:lnB>
                   </a:tcPr>
                 </a:tc>
+                <a:extLst>
+                  <a:ext uri="{0D108BD9-81ED-4DB2-BD59-A6C34878D82A}">
+                    <a16:rowId xmlns:a16="http://schemas.microsoft.com/office/drawing/2014/main" val="10000"/>
+                  </a:ext>
+                </a:extLst>
               </a:tr>
               <a:tr h="185801">
                 <a:tc>
@@ -6140,6 +6242,11 @@
                     </a:lnB>
                   </a:tcPr>
                 </a:tc>
+                <a:extLst>
+                  <a:ext uri="{0D108BD9-81ED-4DB2-BD59-A6C34878D82A}">
+                    <a16:rowId xmlns:a16="http://schemas.microsoft.com/office/drawing/2014/main" val="10001"/>
+                  </a:ext>
+                </a:extLst>
               </a:tr>
               <a:tr h="185801">
                 <a:tc>
@@ -6292,6 +6399,11 @@
                     </a:lnB>
                   </a:tcPr>
                 </a:tc>
+                <a:extLst>
+                  <a:ext uri="{0D108BD9-81ED-4DB2-BD59-A6C34878D82A}">
+                    <a16:rowId xmlns:a16="http://schemas.microsoft.com/office/drawing/2014/main" val="10002"/>
+                  </a:ext>
+                </a:extLst>
               </a:tr>
               <a:tr h="185801">
                 <a:tc>
@@ -6444,6 +6556,11 @@
                     </a:lnB>
                   </a:tcPr>
                 </a:tc>
+                <a:extLst>
+                  <a:ext uri="{0D108BD9-81ED-4DB2-BD59-A6C34878D82A}">
+                    <a16:rowId xmlns:a16="http://schemas.microsoft.com/office/drawing/2014/main" val="10003"/>
+                  </a:ext>
+                </a:extLst>
               </a:tr>
               <a:tr h="185801">
                 <a:tc>
@@ -6620,6 +6737,11 @@
                     </a:lnB>
                   </a:tcPr>
                 </a:tc>
+                <a:extLst>
+                  <a:ext uri="{0D108BD9-81ED-4DB2-BD59-A6C34878D82A}">
+                    <a16:rowId xmlns:a16="http://schemas.microsoft.com/office/drawing/2014/main" val="10004"/>
+                  </a:ext>
+                </a:extLst>
               </a:tr>
               <a:tr h="185801">
                 <a:tc>
@@ -6772,6 +6894,11 @@
                     </a:lnB>
                   </a:tcPr>
                 </a:tc>
+                <a:extLst>
+                  <a:ext uri="{0D108BD9-81ED-4DB2-BD59-A6C34878D82A}">
+                    <a16:rowId xmlns:a16="http://schemas.microsoft.com/office/drawing/2014/main" val="10005"/>
+                  </a:ext>
+                </a:extLst>
               </a:tr>
               <a:tr h="185801">
                 <a:tc>
@@ -6924,6 +7051,11 @@
                     </a:lnB>
                   </a:tcPr>
                 </a:tc>
+                <a:extLst>
+                  <a:ext uri="{0D108BD9-81ED-4DB2-BD59-A6C34878D82A}">
+                    <a16:rowId xmlns:a16="http://schemas.microsoft.com/office/drawing/2014/main" val="10006"/>
+                  </a:ext>
+                </a:extLst>
               </a:tr>
               <a:tr h="185801">
                 <a:tc>
@@ -7076,6 +7208,11 @@
                     </a:lnB>
                   </a:tcPr>
                 </a:tc>
+                <a:extLst>
+                  <a:ext uri="{0D108BD9-81ED-4DB2-BD59-A6C34878D82A}">
+                    <a16:rowId xmlns:a16="http://schemas.microsoft.com/office/drawing/2014/main" val="10007"/>
+                  </a:ext>
+                </a:extLst>
               </a:tr>
             </a:tbl>
           </a:graphicData>
@@ -7104,14 +7241,14 @@
           <a:effectLst/>
           <a:extLst>
             <a:ext uri="{909E8E84-426E-40DD-AFC4-6F175D3DCCD1}">
-              <a14:hiddenFill xmlns:a14="http://schemas.microsoft.com/office/drawing/2010/main" xmlns="">
+              <a14:hiddenFill xmlns:a14="http://schemas.microsoft.com/office/drawing/2010/main">
                 <a:solidFill>
                   <a:schemeClr val="accent1"/>
                 </a:solidFill>
               </a14:hiddenFill>
             </a:ext>
             <a:ext uri="{91240B29-F687-4F45-9708-019B960494DF}">
-              <a14:hiddenLine xmlns:a14="http://schemas.microsoft.com/office/drawing/2010/main" xmlns="" w="9525">
+              <a14:hiddenLine xmlns:a14="http://schemas.microsoft.com/office/drawing/2010/main" w="9525">
                 <a:solidFill>
                   <a:schemeClr val="tx1"/>
                 </a:solidFill>
@@ -7121,7 +7258,7 @@
               </a14:hiddenLine>
             </a:ext>
             <a:ext uri="{AF507438-7753-43E0-B8FC-AC1667EBCBE1}">
-              <a14:hiddenEffects xmlns:a14="http://schemas.microsoft.com/office/drawing/2010/main" xmlns="">
+              <a14:hiddenEffects xmlns:a14="http://schemas.microsoft.com/office/drawing/2010/main">
                 <a:effectLst>
                   <a:outerShdw dist="35921" dir="2700000" algn="ctr" rotWithShape="0">
                     <a:schemeClr val="bg2"/>
@@ -7147,7 +7284,7 @@
     </p:spTree>
     <p:extLst>
       <p:ext uri="{BB962C8B-B14F-4D97-AF65-F5344CB8AC3E}">
-        <p14:creationId xmlns:p14="http://schemas.microsoft.com/office/powerpoint/2010/main" xmlns="" val="677491182"/>
+        <p14:creationId xmlns:p14="http://schemas.microsoft.com/office/powerpoint/2010/main" val="677491182"/>
       </p:ext>
     </p:extLst>
   </p:cSld>
@@ -7419,7 +7556,7 @@
           <p:nvPr>
             <p:extLst>
               <p:ext uri="{D42A27DB-BD31-4B8C-83A1-F6EECF244321}">
-                <p14:modId xmlns:p14="http://schemas.microsoft.com/office/powerpoint/2010/main" xmlns="" val="2105008462"/>
+                <p14:modId xmlns:p14="http://schemas.microsoft.com/office/powerpoint/2010/main" val="2105008462"/>
               </p:ext>
             </p:extLst>
           </p:nvPr>
@@ -7433,7 +7570,13 @@
             <a:tbl>
               <a:tblPr/>
               <a:tblGrid>
-                <a:gridCol w="8424936"/>
+                <a:gridCol w="8424936">
+                  <a:extLst>
+                    <a:ext uri="{9D8B030D-6E8A-4147-A177-3AD203B41FA5}">
+                      <a16:colId xmlns:a16="http://schemas.microsoft.com/office/drawing/2014/main" val="20000"/>
+                    </a:ext>
+                  </a:extLst>
+                </a:gridCol>
               </a:tblGrid>
               <a:tr h="457200">
                 <a:tc>
@@ -7530,6 +7673,11 @@
                     </a:solidFill>
                   </a:tcPr>
                 </a:tc>
+                <a:extLst>
+                  <a:ext uri="{0D108BD9-81ED-4DB2-BD59-A6C34878D82A}">
+                    <a16:rowId xmlns:a16="http://schemas.microsoft.com/office/drawing/2014/main" val="10000"/>
+                  </a:ext>
+                </a:extLst>
               </a:tr>
             </a:tbl>
           </a:graphicData>
@@ -7544,7 +7692,7 @@
           <p:nvPr>
             <p:extLst>
               <p:ext uri="{D42A27DB-BD31-4B8C-83A1-F6EECF244321}">
-                <p14:modId xmlns:p14="http://schemas.microsoft.com/office/powerpoint/2010/main" xmlns="" val="3869189059"/>
+                <p14:modId xmlns:p14="http://schemas.microsoft.com/office/powerpoint/2010/main" val="3869189059"/>
               </p:ext>
             </p:extLst>
           </p:nvPr>
@@ -7558,7 +7706,13 @@
             <a:tbl>
               <a:tblPr/>
               <a:tblGrid>
-                <a:gridCol w="8424936"/>
+                <a:gridCol w="8424936">
+                  <a:extLst>
+                    <a:ext uri="{9D8B030D-6E8A-4147-A177-3AD203B41FA5}">
+                      <a16:colId xmlns:a16="http://schemas.microsoft.com/office/drawing/2014/main" val="20000"/>
+                    </a:ext>
+                  </a:extLst>
+                </a:gridCol>
               </a:tblGrid>
               <a:tr h="457200">
                 <a:tc>
@@ -7619,6 +7773,11 @@
                     </a:solidFill>
                   </a:tcPr>
                 </a:tc>
+                <a:extLst>
+                  <a:ext uri="{0D108BD9-81ED-4DB2-BD59-A6C34878D82A}">
+                    <a16:rowId xmlns:a16="http://schemas.microsoft.com/office/drawing/2014/main" val="10000"/>
+                  </a:ext>
+                </a:extLst>
               </a:tr>
             </a:tbl>
           </a:graphicData>
@@ -7627,7 +7786,7 @@
     </p:spTree>
     <p:extLst>
       <p:ext uri="{BB962C8B-B14F-4D97-AF65-F5344CB8AC3E}">
-        <p14:creationId xmlns:p14="http://schemas.microsoft.com/office/powerpoint/2010/main" xmlns="" val="45675560"/>
+        <p14:creationId xmlns:p14="http://schemas.microsoft.com/office/powerpoint/2010/main" val="45675560"/>
       </p:ext>
     </p:extLst>
   </p:cSld>
@@ -7662,7 +7821,7 @@
         </p:nvSpPr>
         <p:spPr>
           <a:xfrm>
-            <a:off x="144016" y="116632"/>
+            <a:off x="144016" y="342523"/>
             <a:ext cx="8892480" cy="3662541"/>
           </a:xfrm>
           <a:prstGeom prst="rect">
@@ -7856,14 +8015,14 @@
           <a:effectLst/>
           <a:extLst>
             <a:ext uri="{909E8E84-426E-40DD-AFC4-6F175D3DCCD1}">
-              <a14:hiddenFill xmlns:a14="http://schemas.microsoft.com/office/drawing/2010/main" xmlns="">
+              <a14:hiddenFill xmlns:a14="http://schemas.microsoft.com/office/drawing/2010/main">
                 <a:solidFill>
                   <a:schemeClr val="accent1"/>
                 </a:solidFill>
               </a14:hiddenFill>
             </a:ext>
             <a:ext uri="{91240B29-F687-4F45-9708-019B960494DF}">
-              <a14:hiddenLine xmlns:a14="http://schemas.microsoft.com/office/drawing/2010/main" xmlns="" w="9525">
+              <a14:hiddenLine xmlns:a14="http://schemas.microsoft.com/office/drawing/2010/main" w="9525">
                 <a:solidFill>
                   <a:schemeClr val="tx1"/>
                 </a:solidFill>
@@ -7873,7 +8032,7 @@
               </a14:hiddenLine>
             </a:ext>
             <a:ext uri="{AF507438-7753-43E0-B8FC-AC1667EBCBE1}">
-              <a14:hiddenEffects xmlns:a14="http://schemas.microsoft.com/office/drawing/2010/main" xmlns="">
+              <a14:hiddenEffects xmlns:a14="http://schemas.microsoft.com/office/drawing/2010/main">
                 <a:effectLst>
                   <a:outerShdw dist="35921" dir="2700000" algn="ctr" rotWithShape="0">
                     <a:schemeClr val="bg2"/>
@@ -7908,7 +8067,7 @@
           <a:blip r:embed="rId3" cstate="print">
             <a:extLst>
               <a:ext uri="{28A0092B-C50C-407E-A947-70E740481C1C}">
-                <a14:useLocalDpi xmlns:a14="http://schemas.microsoft.com/office/drawing/2010/main" xmlns="" val="0"/>
+                <a14:useLocalDpi xmlns:a14="http://schemas.microsoft.com/office/drawing/2010/main" val="0"/>
               </a:ext>
             </a:extLst>
           </a:blip>
@@ -7928,7 +8087,7 @@
           <a:noFill/>
           <a:extLst>
             <a:ext uri="{909E8E84-426E-40DD-AFC4-6F175D3DCCD1}">
-              <a14:hiddenFill xmlns:a14="http://schemas.microsoft.com/office/drawing/2010/main" xmlns="">
+              <a14:hiddenFill xmlns:a14="http://schemas.microsoft.com/office/drawing/2010/main">
                 <a:solidFill>
                   <a:srgbClr val="FFFFFF"/>
                 </a:solidFill>
@@ -7960,14 +8119,14 @@
           <a:effectLst/>
           <a:extLst>
             <a:ext uri="{909E8E84-426E-40DD-AFC4-6F175D3DCCD1}">
-              <a14:hiddenFill xmlns:a14="http://schemas.microsoft.com/office/drawing/2010/main" xmlns="">
+              <a14:hiddenFill xmlns:a14="http://schemas.microsoft.com/office/drawing/2010/main">
                 <a:solidFill>
                   <a:schemeClr val="accent1"/>
                 </a:solidFill>
               </a14:hiddenFill>
             </a:ext>
             <a:ext uri="{91240B29-F687-4F45-9708-019B960494DF}">
-              <a14:hiddenLine xmlns:a14="http://schemas.microsoft.com/office/drawing/2010/main" xmlns="" w="9525">
+              <a14:hiddenLine xmlns:a14="http://schemas.microsoft.com/office/drawing/2010/main" w="9525">
                 <a:solidFill>
                   <a:schemeClr val="tx1"/>
                 </a:solidFill>
@@ -7977,7 +8136,7 @@
               </a14:hiddenLine>
             </a:ext>
             <a:ext uri="{AF507438-7753-43E0-B8FC-AC1667EBCBE1}">
-              <a14:hiddenEffects xmlns:a14="http://schemas.microsoft.com/office/drawing/2010/main" xmlns="">
+              <a14:hiddenEffects xmlns:a14="http://schemas.microsoft.com/office/drawing/2010/main">
                 <a:effectLst>
                   <a:outerShdw dist="35921" dir="2700000" algn="ctr" rotWithShape="0">
                     <a:schemeClr val="bg2"/>
@@ -8003,7 +8162,7 @@
     </p:spTree>
     <p:extLst>
       <p:ext uri="{BB962C8B-B14F-4D97-AF65-F5344CB8AC3E}">
-        <p14:creationId xmlns:p14="http://schemas.microsoft.com/office/powerpoint/2010/main" xmlns="" val="3260011225"/>
+        <p14:creationId xmlns:p14="http://schemas.microsoft.com/office/powerpoint/2010/main" val="3260011225"/>
       </p:ext>
     </p:extLst>
   </p:cSld>
@@ -8391,14 +8550,14 @@
           <a:effectLst/>
           <a:extLst>
             <a:ext uri="{909E8E84-426E-40DD-AFC4-6F175D3DCCD1}">
-              <a14:hiddenFill xmlns:a14="http://schemas.microsoft.com/office/drawing/2010/main" xmlns="">
+              <a14:hiddenFill xmlns:a14="http://schemas.microsoft.com/office/drawing/2010/main">
                 <a:solidFill>
                   <a:schemeClr val="accent1"/>
                 </a:solidFill>
               </a14:hiddenFill>
             </a:ext>
             <a:ext uri="{91240B29-F687-4F45-9708-019B960494DF}">
-              <a14:hiddenLine xmlns:a14="http://schemas.microsoft.com/office/drawing/2010/main" xmlns="" w="9525">
+              <a14:hiddenLine xmlns:a14="http://schemas.microsoft.com/office/drawing/2010/main" w="9525">
                 <a:solidFill>
                   <a:schemeClr val="tx1"/>
                 </a:solidFill>
@@ -8408,7 +8567,7 @@
               </a14:hiddenLine>
             </a:ext>
             <a:ext uri="{AF507438-7753-43E0-B8FC-AC1667EBCBE1}">
-              <a14:hiddenEffects xmlns:a14="http://schemas.microsoft.com/office/drawing/2010/main" xmlns="">
+              <a14:hiddenEffects xmlns:a14="http://schemas.microsoft.com/office/drawing/2010/main">
                 <a:effectLst>
                   <a:outerShdw dist="35921" dir="2700000" algn="ctr" rotWithShape="0">
                     <a:schemeClr val="bg2"/>
@@ -8440,7 +8599,7 @@
           <p:nvPr>
             <p:extLst>
               <p:ext uri="{D42A27DB-BD31-4B8C-83A1-F6EECF244321}">
-                <p14:modId xmlns:p14="http://schemas.microsoft.com/office/powerpoint/2010/main" xmlns="" val="3160591430"/>
+                <p14:modId xmlns:p14="http://schemas.microsoft.com/office/powerpoint/2010/main" val="3160591430"/>
               </p:ext>
             </p:extLst>
           </p:nvPr>
@@ -8454,7 +8613,13 @@
             <a:tbl>
               <a:tblPr/>
               <a:tblGrid>
-                <a:gridCol w="8424936"/>
+                <a:gridCol w="8424936">
+                  <a:extLst>
+                    <a:ext uri="{9D8B030D-6E8A-4147-A177-3AD203B41FA5}">
+                      <a16:colId xmlns:a16="http://schemas.microsoft.com/office/drawing/2014/main" val="20000"/>
+                    </a:ext>
+                  </a:extLst>
+                </a:gridCol>
               </a:tblGrid>
               <a:tr h="457200">
                 <a:tc>
@@ -8551,6 +8716,11 @@
                     </a:solidFill>
                   </a:tcPr>
                 </a:tc>
+                <a:extLst>
+                  <a:ext uri="{0D108BD9-81ED-4DB2-BD59-A6C34878D82A}">
+                    <a16:rowId xmlns:a16="http://schemas.microsoft.com/office/drawing/2014/main" val="10000"/>
+                  </a:ext>
+                </a:extLst>
               </a:tr>
             </a:tbl>
           </a:graphicData>
@@ -8565,7 +8735,7 @@
           <p:nvPr>
             <p:extLst>
               <p:ext uri="{D42A27DB-BD31-4B8C-83A1-F6EECF244321}">
-                <p14:modId xmlns:p14="http://schemas.microsoft.com/office/powerpoint/2010/main" xmlns="" val="3046004457"/>
+                <p14:modId xmlns:p14="http://schemas.microsoft.com/office/powerpoint/2010/main" val="3046004457"/>
               </p:ext>
             </p:extLst>
           </p:nvPr>
@@ -8579,7 +8749,13 @@
             <a:tbl>
               <a:tblPr/>
               <a:tblGrid>
-                <a:gridCol w="8424936"/>
+                <a:gridCol w="8424936">
+                  <a:extLst>
+                    <a:ext uri="{9D8B030D-6E8A-4147-A177-3AD203B41FA5}">
+                      <a16:colId xmlns:a16="http://schemas.microsoft.com/office/drawing/2014/main" val="20000"/>
+                    </a:ext>
+                  </a:extLst>
+                </a:gridCol>
               </a:tblGrid>
               <a:tr h="457200">
                 <a:tc>
@@ -8776,6 +8952,11 @@
                     </a:solidFill>
                   </a:tcPr>
                 </a:tc>
+                <a:extLst>
+                  <a:ext uri="{0D108BD9-81ED-4DB2-BD59-A6C34878D82A}">
+                    <a16:rowId xmlns:a16="http://schemas.microsoft.com/office/drawing/2014/main" val="10000"/>
+                  </a:ext>
+                </a:extLst>
               </a:tr>
             </a:tbl>
           </a:graphicData>
@@ -8784,7 +8965,7 @@
     </p:spTree>
     <p:extLst>
       <p:ext uri="{BB962C8B-B14F-4D97-AF65-F5344CB8AC3E}">
-        <p14:creationId xmlns:p14="http://schemas.microsoft.com/office/powerpoint/2010/main" xmlns="" val="1533305597"/>
+        <p14:creationId xmlns:p14="http://schemas.microsoft.com/office/powerpoint/2010/main" val="1533305597"/>
       </p:ext>
     </p:extLst>
   </p:cSld>
@@ -8906,14 +9087,14 @@
           <a:effectLst/>
           <a:extLst>
             <a:ext uri="{909E8E84-426E-40DD-AFC4-6F175D3DCCD1}">
-              <a14:hiddenFill xmlns:a14="http://schemas.microsoft.com/office/drawing/2010/main" xmlns="">
+              <a14:hiddenFill xmlns:a14="http://schemas.microsoft.com/office/drawing/2010/main">
                 <a:solidFill>
                   <a:schemeClr val="accent1"/>
                 </a:solidFill>
               </a14:hiddenFill>
             </a:ext>
             <a:ext uri="{91240B29-F687-4F45-9708-019B960494DF}">
-              <a14:hiddenLine xmlns:a14="http://schemas.microsoft.com/office/drawing/2010/main" xmlns="" w="9525">
+              <a14:hiddenLine xmlns:a14="http://schemas.microsoft.com/office/drawing/2010/main" w="9525">
                 <a:solidFill>
                   <a:schemeClr val="tx1"/>
                 </a:solidFill>
@@ -8923,7 +9104,7 @@
               </a14:hiddenLine>
             </a:ext>
             <a:ext uri="{AF507438-7753-43E0-B8FC-AC1667EBCBE1}">
-              <a14:hiddenEffects xmlns:a14="http://schemas.microsoft.com/office/drawing/2010/main" xmlns="">
+              <a14:hiddenEffects xmlns:a14="http://schemas.microsoft.com/office/drawing/2010/main">
                 <a:effectLst>
                   <a:outerShdw dist="35921" dir="2700000" algn="ctr" rotWithShape="0">
                     <a:schemeClr val="bg2"/>
@@ -8955,7 +9136,7 @@
           <p:nvPr>
             <p:extLst>
               <p:ext uri="{D42A27DB-BD31-4B8C-83A1-F6EECF244321}">
-                <p14:modId xmlns:p14="http://schemas.microsoft.com/office/powerpoint/2010/main" xmlns="" val="697392591"/>
+                <p14:modId xmlns:p14="http://schemas.microsoft.com/office/powerpoint/2010/main" val="697392591"/>
               </p:ext>
             </p:extLst>
           </p:nvPr>
@@ -8969,7 +9150,13 @@
             <a:tbl>
               <a:tblPr/>
               <a:tblGrid>
-                <a:gridCol w="8424936"/>
+                <a:gridCol w="8424936">
+                  <a:extLst>
+                    <a:ext uri="{9D8B030D-6E8A-4147-A177-3AD203B41FA5}">
+                      <a16:colId xmlns:a16="http://schemas.microsoft.com/office/drawing/2014/main" val="20000"/>
+                    </a:ext>
+                  </a:extLst>
+                </a:gridCol>
               </a:tblGrid>
               <a:tr h="457200">
                 <a:tc>
@@ -9188,6 +9375,11 @@
                     </a:solidFill>
                   </a:tcPr>
                 </a:tc>
+                <a:extLst>
+                  <a:ext uri="{0D108BD9-81ED-4DB2-BD59-A6C34878D82A}">
+                    <a16:rowId xmlns:a16="http://schemas.microsoft.com/office/drawing/2014/main" val="10000"/>
+                  </a:ext>
+                </a:extLst>
               </a:tr>
             </a:tbl>
           </a:graphicData>
@@ -9202,7 +9394,7 @@
           <p:nvPr>
             <p:extLst>
               <p:ext uri="{D42A27DB-BD31-4B8C-83A1-F6EECF244321}">
-                <p14:modId xmlns:p14="http://schemas.microsoft.com/office/powerpoint/2010/main" xmlns="" val="2160006548"/>
+                <p14:modId xmlns:p14="http://schemas.microsoft.com/office/powerpoint/2010/main" val="2160006548"/>
               </p:ext>
             </p:extLst>
           </p:nvPr>
@@ -9216,7 +9408,13 @@
             <a:tbl>
               <a:tblPr/>
               <a:tblGrid>
-                <a:gridCol w="8424936"/>
+                <a:gridCol w="8424936">
+                  <a:extLst>
+                    <a:ext uri="{9D8B030D-6E8A-4147-A177-3AD203B41FA5}">
+                      <a16:colId xmlns:a16="http://schemas.microsoft.com/office/drawing/2014/main" val="20000"/>
+                    </a:ext>
+                  </a:extLst>
+                </a:gridCol>
               </a:tblGrid>
               <a:tr h="936103">
                 <a:tc>
@@ -9377,6 +9575,11 @@
                     </a:solidFill>
                   </a:tcPr>
                 </a:tc>
+                <a:extLst>
+                  <a:ext uri="{0D108BD9-81ED-4DB2-BD59-A6C34878D82A}">
+                    <a16:rowId xmlns:a16="http://schemas.microsoft.com/office/drawing/2014/main" val="10000"/>
+                  </a:ext>
+                </a:extLst>
               </a:tr>
             </a:tbl>
           </a:graphicData>
@@ -9385,7 +9588,7 @@
     </p:spTree>
     <p:extLst>
       <p:ext uri="{BB962C8B-B14F-4D97-AF65-F5344CB8AC3E}">
-        <p14:creationId xmlns:p14="http://schemas.microsoft.com/office/powerpoint/2010/main" xmlns="" val="1944901809"/>
+        <p14:creationId xmlns:p14="http://schemas.microsoft.com/office/powerpoint/2010/main" val="1944901809"/>
       </p:ext>
     </p:extLst>
   </p:cSld>
@@ -9595,7 +9798,7 @@
     </p:spTree>
     <p:extLst>
       <p:ext uri="{BB962C8B-B14F-4D97-AF65-F5344CB8AC3E}">
-        <p14:creationId xmlns:p14="http://schemas.microsoft.com/office/powerpoint/2010/main" xmlns="" val="1030413480"/>
+        <p14:creationId xmlns:p14="http://schemas.microsoft.com/office/powerpoint/2010/main" val="1030413480"/>
       </p:ext>
     </p:extLst>
   </p:cSld>
@@ -9779,7 +9982,7 @@
     </p:spTree>
     <p:extLst>
       <p:ext uri="{BB962C8B-B14F-4D97-AF65-F5344CB8AC3E}">
-        <p14:creationId xmlns:p14="http://schemas.microsoft.com/office/powerpoint/2010/main" xmlns="" val="2332273312"/>
+        <p14:creationId xmlns:p14="http://schemas.microsoft.com/office/powerpoint/2010/main" val="2332273312"/>
       </p:ext>
     </p:extLst>
   </p:cSld>
@@ -9914,7 +10117,7 @@
           <a:blip r:embed="rId2" cstate="print">
             <a:extLst>
               <a:ext uri="{28A0092B-C50C-407E-A947-70E740481C1C}">
-                <a14:useLocalDpi xmlns:a14="http://schemas.microsoft.com/office/drawing/2010/main" xmlns="" val="0"/>
+                <a14:useLocalDpi xmlns:a14="http://schemas.microsoft.com/office/drawing/2010/main" val="0"/>
               </a:ext>
             </a:extLst>
           </a:blip>
@@ -9934,7 +10137,7 @@
           <a:noFill/>
           <a:extLst>
             <a:ext uri="{909E8E84-426E-40DD-AFC4-6F175D3DCCD1}">
-              <a14:hiddenFill xmlns:a14="http://schemas.microsoft.com/office/drawing/2010/main" xmlns="">
+              <a14:hiddenFill xmlns:a14="http://schemas.microsoft.com/office/drawing/2010/main">
                 <a:solidFill>
                   <a:srgbClr val="FFFFFF"/>
                 </a:solidFill>
@@ -9955,7 +10158,7 @@
           <a:blip r:embed="rId3" cstate="print">
             <a:extLst>
               <a:ext uri="{28A0092B-C50C-407E-A947-70E740481C1C}">
-                <a14:useLocalDpi xmlns:a14="http://schemas.microsoft.com/office/drawing/2010/main" xmlns="" val="0"/>
+                <a14:useLocalDpi xmlns:a14="http://schemas.microsoft.com/office/drawing/2010/main" val="0"/>
               </a:ext>
             </a:extLst>
           </a:blip>
@@ -9975,7 +10178,7 @@
           <a:noFill/>
           <a:extLst>
             <a:ext uri="{909E8E84-426E-40DD-AFC4-6F175D3DCCD1}">
-              <a14:hiddenFill xmlns:a14="http://schemas.microsoft.com/office/drawing/2010/main" xmlns="">
+              <a14:hiddenFill xmlns:a14="http://schemas.microsoft.com/office/drawing/2010/main">
                 <a:solidFill>
                   <a:srgbClr val="FFFFFF"/>
                 </a:solidFill>
@@ -10007,14 +10210,14 @@
           <a:effectLst/>
           <a:extLst>
             <a:ext uri="{909E8E84-426E-40DD-AFC4-6F175D3DCCD1}">
-              <a14:hiddenFill xmlns:a14="http://schemas.microsoft.com/office/drawing/2010/main" xmlns="">
+              <a14:hiddenFill xmlns:a14="http://schemas.microsoft.com/office/drawing/2010/main">
                 <a:solidFill>
                   <a:schemeClr val="accent1"/>
                 </a:solidFill>
               </a14:hiddenFill>
             </a:ext>
             <a:ext uri="{91240B29-F687-4F45-9708-019B960494DF}">
-              <a14:hiddenLine xmlns:a14="http://schemas.microsoft.com/office/drawing/2010/main" xmlns="" w="9525">
+              <a14:hiddenLine xmlns:a14="http://schemas.microsoft.com/office/drawing/2010/main" w="9525">
                 <a:solidFill>
                   <a:schemeClr val="tx1"/>
                 </a:solidFill>
@@ -10024,7 +10227,7 @@
               </a14:hiddenLine>
             </a:ext>
             <a:ext uri="{AF507438-7753-43E0-B8FC-AC1667EBCBE1}">
-              <a14:hiddenEffects xmlns:a14="http://schemas.microsoft.com/office/drawing/2010/main" xmlns="">
+              <a14:hiddenEffects xmlns:a14="http://schemas.microsoft.com/office/drawing/2010/main">
                 <a:effectLst>
                   <a:outerShdw dist="35921" dir="2700000" algn="ctr" rotWithShape="0">
                     <a:schemeClr val="bg2"/>
@@ -10050,7 +10253,7 @@
     </p:spTree>
     <p:extLst>
       <p:ext uri="{BB962C8B-B14F-4D97-AF65-F5344CB8AC3E}">
-        <p14:creationId xmlns:p14="http://schemas.microsoft.com/office/powerpoint/2010/main" xmlns="" val="1192956814"/>
+        <p14:creationId xmlns:p14="http://schemas.microsoft.com/office/powerpoint/2010/main" val="1192956814"/>
       </p:ext>
     </p:extLst>
   </p:cSld>
@@ -10207,14 +10410,14 @@
           <a:effectLst/>
           <a:extLst>
             <a:ext uri="{909E8E84-426E-40DD-AFC4-6F175D3DCCD1}">
-              <a14:hiddenFill xmlns:a14="http://schemas.microsoft.com/office/drawing/2010/main" xmlns="">
+              <a14:hiddenFill xmlns:a14="http://schemas.microsoft.com/office/drawing/2010/main">
                 <a:solidFill>
                   <a:schemeClr val="accent1"/>
                 </a:solidFill>
               </a14:hiddenFill>
             </a:ext>
             <a:ext uri="{91240B29-F687-4F45-9708-019B960494DF}">
-              <a14:hiddenLine xmlns:a14="http://schemas.microsoft.com/office/drawing/2010/main" xmlns="" w="9525">
+              <a14:hiddenLine xmlns:a14="http://schemas.microsoft.com/office/drawing/2010/main" w="9525">
                 <a:solidFill>
                   <a:schemeClr val="tx1"/>
                 </a:solidFill>
@@ -10224,7 +10427,7 @@
               </a14:hiddenLine>
             </a:ext>
             <a:ext uri="{AF507438-7753-43E0-B8FC-AC1667EBCBE1}">
-              <a14:hiddenEffects xmlns:a14="http://schemas.microsoft.com/office/drawing/2010/main" xmlns="">
+              <a14:hiddenEffects xmlns:a14="http://schemas.microsoft.com/office/drawing/2010/main">
                 <a:effectLst>
                   <a:outerShdw dist="35921" dir="2700000" algn="ctr" rotWithShape="0">
                     <a:schemeClr val="bg2"/>
@@ -10250,7 +10453,7 @@
     </p:spTree>
     <p:extLst>
       <p:ext uri="{BB962C8B-B14F-4D97-AF65-F5344CB8AC3E}">
-        <p14:creationId xmlns:p14="http://schemas.microsoft.com/office/powerpoint/2010/main" xmlns="" val="1818735994"/>
+        <p14:creationId xmlns:p14="http://schemas.microsoft.com/office/powerpoint/2010/main" val="1818735994"/>
       </p:ext>
     </p:extLst>
   </p:cSld>
@@ -10482,7 +10685,7 @@
     </p:spTree>
     <p:extLst>
       <p:ext uri="{BB962C8B-B14F-4D97-AF65-F5344CB8AC3E}">
-        <p14:creationId xmlns:p14="http://schemas.microsoft.com/office/powerpoint/2010/main" xmlns="" val="1467825958"/>
+        <p14:creationId xmlns:p14="http://schemas.microsoft.com/office/powerpoint/2010/main" val="1467825958"/>
       </p:ext>
     </p:extLst>
   </p:cSld>
@@ -10656,14 +10859,14 @@
           <a:effectLst/>
           <a:extLst>
             <a:ext uri="{909E8E84-426E-40DD-AFC4-6F175D3DCCD1}">
-              <a14:hiddenFill xmlns:a14="http://schemas.microsoft.com/office/drawing/2010/main" xmlns="">
+              <a14:hiddenFill xmlns:a14="http://schemas.microsoft.com/office/drawing/2010/main">
                 <a:solidFill>
                   <a:schemeClr val="accent1"/>
                 </a:solidFill>
               </a14:hiddenFill>
             </a:ext>
             <a:ext uri="{91240B29-F687-4F45-9708-019B960494DF}">
-              <a14:hiddenLine xmlns:a14="http://schemas.microsoft.com/office/drawing/2010/main" xmlns="" w="9525">
+              <a14:hiddenLine xmlns:a14="http://schemas.microsoft.com/office/drawing/2010/main" w="9525">
                 <a:solidFill>
                   <a:schemeClr val="tx1"/>
                 </a:solidFill>
@@ -10673,7 +10876,7 @@
               </a14:hiddenLine>
             </a:ext>
             <a:ext uri="{AF507438-7753-43E0-B8FC-AC1667EBCBE1}">
-              <a14:hiddenEffects xmlns:a14="http://schemas.microsoft.com/office/drawing/2010/main" xmlns="">
+              <a14:hiddenEffects xmlns:a14="http://schemas.microsoft.com/office/drawing/2010/main">
                 <a:effectLst>
                   <a:outerShdw dist="35921" dir="2700000" algn="ctr" rotWithShape="0">
                     <a:schemeClr val="bg2"/>
@@ -10719,14 +10922,14 @@
           <a:effectLst/>
           <a:extLst>
             <a:ext uri="{909E8E84-426E-40DD-AFC4-6F175D3DCCD1}">
-              <a14:hiddenFill xmlns:a14="http://schemas.microsoft.com/office/drawing/2010/main" xmlns="">
+              <a14:hiddenFill xmlns:a14="http://schemas.microsoft.com/office/drawing/2010/main">
                 <a:solidFill>
                   <a:schemeClr val="accent1"/>
                 </a:solidFill>
               </a14:hiddenFill>
             </a:ext>
             <a:ext uri="{91240B29-F687-4F45-9708-019B960494DF}">
-              <a14:hiddenLine xmlns:a14="http://schemas.microsoft.com/office/drawing/2010/main" xmlns="" w="9525">
+              <a14:hiddenLine xmlns:a14="http://schemas.microsoft.com/office/drawing/2010/main" w="9525">
                 <a:solidFill>
                   <a:schemeClr val="tx1"/>
                 </a:solidFill>
@@ -10736,7 +10939,7 @@
               </a14:hiddenLine>
             </a:ext>
             <a:ext uri="{AF507438-7753-43E0-B8FC-AC1667EBCBE1}">
-              <a14:hiddenEffects xmlns:a14="http://schemas.microsoft.com/office/drawing/2010/main" xmlns="">
+              <a14:hiddenEffects xmlns:a14="http://schemas.microsoft.com/office/drawing/2010/main">
                 <a:effectLst>
                   <a:outerShdw dist="35921" dir="2700000" algn="ctr" rotWithShape="0">
                     <a:schemeClr val="bg2"/>
@@ -10771,7 +10974,7 @@
           <a:blip r:embed="rId2" cstate="print">
             <a:extLst>
               <a:ext uri="{28A0092B-C50C-407E-A947-70E740481C1C}">
-                <a14:useLocalDpi xmlns:a14="http://schemas.microsoft.com/office/drawing/2010/main" xmlns="" val="0"/>
+                <a14:useLocalDpi xmlns:a14="http://schemas.microsoft.com/office/drawing/2010/main" val="0"/>
               </a:ext>
             </a:extLst>
           </a:blip>
@@ -10791,7 +10994,7 @@
           <a:noFill/>
           <a:extLst>
             <a:ext uri="{909E8E84-426E-40DD-AFC4-6F175D3DCCD1}">
-              <a14:hiddenFill xmlns:a14="http://schemas.microsoft.com/office/drawing/2010/main" xmlns="">
+              <a14:hiddenFill xmlns:a14="http://schemas.microsoft.com/office/drawing/2010/main">
                 <a:solidFill>
                   <a:srgbClr val="FFFFFF"/>
                 </a:solidFill>
@@ -10803,7 +11006,7 @@
     </p:spTree>
     <p:extLst>
       <p:ext uri="{BB962C8B-B14F-4D97-AF65-F5344CB8AC3E}">
-        <p14:creationId xmlns:p14="http://schemas.microsoft.com/office/powerpoint/2010/main" xmlns="" val="505618360"/>
+        <p14:creationId xmlns:p14="http://schemas.microsoft.com/office/powerpoint/2010/main" val="505618360"/>
       </p:ext>
     </p:extLst>
   </p:cSld>
@@ -10925,14 +11128,14 @@
           <a:effectLst/>
           <a:extLst>
             <a:ext uri="{909E8E84-426E-40DD-AFC4-6F175D3DCCD1}">
-              <a14:hiddenFill xmlns:a14="http://schemas.microsoft.com/office/drawing/2010/main" xmlns="">
+              <a14:hiddenFill xmlns:a14="http://schemas.microsoft.com/office/drawing/2010/main">
                 <a:solidFill>
                   <a:schemeClr val="accent1"/>
                 </a:solidFill>
               </a14:hiddenFill>
             </a:ext>
             <a:ext uri="{91240B29-F687-4F45-9708-019B960494DF}">
-              <a14:hiddenLine xmlns:a14="http://schemas.microsoft.com/office/drawing/2010/main" xmlns="" w="9525">
+              <a14:hiddenLine xmlns:a14="http://schemas.microsoft.com/office/drawing/2010/main" w="9525">
                 <a:solidFill>
                   <a:schemeClr val="tx1"/>
                 </a:solidFill>
@@ -10942,7 +11145,7 @@
               </a14:hiddenLine>
             </a:ext>
             <a:ext uri="{AF507438-7753-43E0-B8FC-AC1667EBCBE1}">
-              <a14:hiddenEffects xmlns:a14="http://schemas.microsoft.com/office/drawing/2010/main" xmlns="">
+              <a14:hiddenEffects xmlns:a14="http://schemas.microsoft.com/office/drawing/2010/main">
                 <a:effectLst>
                   <a:outerShdw dist="35921" dir="2700000" algn="ctr" rotWithShape="0">
                     <a:schemeClr val="bg2"/>
@@ -10988,14 +11191,14 @@
           <a:effectLst/>
           <a:extLst>
             <a:ext uri="{909E8E84-426E-40DD-AFC4-6F175D3DCCD1}">
-              <a14:hiddenFill xmlns:a14="http://schemas.microsoft.com/office/drawing/2010/main" xmlns="">
+              <a14:hiddenFill xmlns:a14="http://schemas.microsoft.com/office/drawing/2010/main">
                 <a:solidFill>
                   <a:schemeClr val="accent1"/>
                 </a:solidFill>
               </a14:hiddenFill>
             </a:ext>
             <a:ext uri="{91240B29-F687-4F45-9708-019B960494DF}">
-              <a14:hiddenLine xmlns:a14="http://schemas.microsoft.com/office/drawing/2010/main" xmlns="" w="9525">
+              <a14:hiddenLine xmlns:a14="http://schemas.microsoft.com/office/drawing/2010/main" w="9525">
                 <a:solidFill>
                   <a:schemeClr val="tx1"/>
                 </a:solidFill>
@@ -11005,7 +11208,7 @@
               </a14:hiddenLine>
             </a:ext>
             <a:ext uri="{AF507438-7753-43E0-B8FC-AC1667EBCBE1}">
-              <a14:hiddenEffects xmlns:a14="http://schemas.microsoft.com/office/drawing/2010/main" xmlns="">
+              <a14:hiddenEffects xmlns:a14="http://schemas.microsoft.com/office/drawing/2010/main">
                 <a:effectLst>
                   <a:outerShdw dist="35921" dir="2700000" algn="ctr" rotWithShape="0">
                     <a:schemeClr val="bg2"/>
@@ -11037,7 +11240,7 @@
           <p:nvPr>
             <p:extLst>
               <p:ext uri="{D42A27DB-BD31-4B8C-83A1-F6EECF244321}">
-                <p14:modId xmlns:p14="http://schemas.microsoft.com/office/powerpoint/2010/main" xmlns="" val="895246253"/>
+                <p14:modId xmlns:p14="http://schemas.microsoft.com/office/powerpoint/2010/main" val="895246253"/>
               </p:ext>
             </p:extLst>
           </p:nvPr>
@@ -11051,8 +11254,20 @@
             <a:tbl>
               <a:tblPr/>
               <a:tblGrid>
-                <a:gridCol w="3744416"/>
-                <a:gridCol w="4608512"/>
+                <a:gridCol w="3744416">
+                  <a:extLst>
+                    <a:ext uri="{9D8B030D-6E8A-4147-A177-3AD203B41FA5}">
+                      <a16:colId xmlns:a16="http://schemas.microsoft.com/office/drawing/2014/main" val="20000"/>
+                    </a:ext>
+                  </a:extLst>
+                </a:gridCol>
+                <a:gridCol w="4608512">
+                  <a:extLst>
+                    <a:ext uri="{9D8B030D-6E8A-4147-A177-3AD203B41FA5}">
+                      <a16:colId xmlns:a16="http://schemas.microsoft.com/office/drawing/2014/main" val="20001"/>
+                    </a:ext>
+                  </a:extLst>
+                </a:gridCol>
               </a:tblGrid>
               <a:tr h="153092">
                 <a:tc>
@@ -11203,6 +11418,11 @@
                     </a:lnB>
                   </a:tcPr>
                 </a:tc>
+                <a:extLst>
+                  <a:ext uri="{0D108BD9-81ED-4DB2-BD59-A6C34878D82A}">
+                    <a16:rowId xmlns:a16="http://schemas.microsoft.com/office/drawing/2014/main" val="10000"/>
+                  </a:ext>
+                </a:extLst>
               </a:tr>
               <a:tr h="261158">
                 <a:tc>
@@ -11472,6 +11692,11 @@
                     </a:lnB>
                   </a:tcPr>
                 </a:tc>
+                <a:extLst>
+                  <a:ext uri="{0D108BD9-81ED-4DB2-BD59-A6C34878D82A}">
+                    <a16:rowId xmlns:a16="http://schemas.microsoft.com/office/drawing/2014/main" val="10001"/>
+                  </a:ext>
+                </a:extLst>
               </a:tr>
               <a:tr h="261158">
                 <a:tc>
@@ -11661,6 +11886,11 @@
                     </a:lnB>
                   </a:tcPr>
                 </a:tc>
+                <a:extLst>
+                  <a:ext uri="{0D108BD9-81ED-4DB2-BD59-A6C34878D82A}">
+                    <a16:rowId xmlns:a16="http://schemas.microsoft.com/office/drawing/2014/main" val="10002"/>
+                  </a:ext>
+                </a:extLst>
               </a:tr>
               <a:tr h="261158">
                 <a:tc>
@@ -11807,6 +12037,11 @@
                     </a:lnB>
                   </a:tcPr>
                 </a:tc>
+                <a:extLst>
+                  <a:ext uri="{0D108BD9-81ED-4DB2-BD59-A6C34878D82A}">
+                    <a16:rowId xmlns:a16="http://schemas.microsoft.com/office/drawing/2014/main" val="10003"/>
+                  </a:ext>
+                </a:extLst>
               </a:tr>
               <a:tr h="153092">
                 <a:tc>
@@ -11993,6 +12228,11 @@
                     </a:lnB>
                   </a:tcPr>
                 </a:tc>
+                <a:extLst>
+                  <a:ext uri="{0D108BD9-81ED-4DB2-BD59-A6C34878D82A}">
+                    <a16:rowId xmlns:a16="http://schemas.microsoft.com/office/drawing/2014/main" val="10004"/>
+                  </a:ext>
+                </a:extLst>
               </a:tr>
               <a:tr h="261158">
                 <a:tc>
@@ -12199,6 +12439,11 @@
                     </a:lnB>
                   </a:tcPr>
                 </a:tc>
+                <a:extLst>
+                  <a:ext uri="{0D108BD9-81ED-4DB2-BD59-A6C34878D82A}">
+                    <a16:rowId xmlns:a16="http://schemas.microsoft.com/office/drawing/2014/main" val="10005"/>
+                  </a:ext>
+                </a:extLst>
               </a:tr>
             </a:tbl>
           </a:graphicData>
@@ -12227,14 +12472,14 @@
           <a:effectLst/>
           <a:extLst>
             <a:ext uri="{909E8E84-426E-40DD-AFC4-6F175D3DCCD1}">
-              <a14:hiddenFill xmlns:a14="http://schemas.microsoft.com/office/drawing/2010/main" xmlns="">
+              <a14:hiddenFill xmlns:a14="http://schemas.microsoft.com/office/drawing/2010/main">
                 <a:solidFill>
                   <a:schemeClr val="accent1"/>
                 </a:solidFill>
               </a14:hiddenFill>
             </a:ext>
             <a:ext uri="{91240B29-F687-4F45-9708-019B960494DF}">
-              <a14:hiddenLine xmlns:a14="http://schemas.microsoft.com/office/drawing/2010/main" xmlns="" w="9525">
+              <a14:hiddenLine xmlns:a14="http://schemas.microsoft.com/office/drawing/2010/main" w="9525">
                 <a:solidFill>
                   <a:schemeClr val="tx1"/>
                 </a:solidFill>
@@ -12244,7 +12489,7 @@
               </a14:hiddenLine>
             </a:ext>
             <a:ext uri="{AF507438-7753-43E0-B8FC-AC1667EBCBE1}">
-              <a14:hiddenEffects xmlns:a14="http://schemas.microsoft.com/office/drawing/2010/main" xmlns="">
+              <a14:hiddenEffects xmlns:a14="http://schemas.microsoft.com/office/drawing/2010/main">
                 <a:effectLst>
                   <a:outerShdw dist="35921" dir="2700000" algn="ctr" rotWithShape="0">
                     <a:schemeClr val="bg2"/>
@@ -12270,7 +12515,7 @@
     </p:spTree>
     <p:extLst>
       <p:ext uri="{BB962C8B-B14F-4D97-AF65-F5344CB8AC3E}">
-        <p14:creationId xmlns:p14="http://schemas.microsoft.com/office/powerpoint/2010/main" xmlns="" val="314128368"/>
+        <p14:creationId xmlns:p14="http://schemas.microsoft.com/office/powerpoint/2010/main" val="314128368"/>
       </p:ext>
     </p:extLst>
   </p:cSld>
@@ -12320,14 +12565,14 @@
           <a:effectLst/>
           <a:extLst>
             <a:ext uri="{909E8E84-426E-40DD-AFC4-6F175D3DCCD1}">
-              <a14:hiddenFill xmlns:a14="http://schemas.microsoft.com/office/drawing/2010/main" xmlns="">
+              <a14:hiddenFill xmlns:a14="http://schemas.microsoft.com/office/drawing/2010/main">
                 <a:solidFill>
                   <a:schemeClr val="accent1"/>
                 </a:solidFill>
               </a14:hiddenFill>
             </a:ext>
             <a:ext uri="{91240B29-F687-4F45-9708-019B960494DF}">
-              <a14:hiddenLine xmlns:a14="http://schemas.microsoft.com/office/drawing/2010/main" xmlns="" w="9525">
+              <a14:hiddenLine xmlns:a14="http://schemas.microsoft.com/office/drawing/2010/main" w="9525">
                 <a:solidFill>
                   <a:schemeClr val="tx1"/>
                 </a:solidFill>
@@ -12337,7 +12582,7 @@
               </a14:hiddenLine>
             </a:ext>
             <a:ext uri="{AF507438-7753-43E0-B8FC-AC1667EBCBE1}">
-              <a14:hiddenEffects xmlns:a14="http://schemas.microsoft.com/office/drawing/2010/main" xmlns="">
+              <a14:hiddenEffects xmlns:a14="http://schemas.microsoft.com/office/drawing/2010/main">
                 <a:effectLst>
                   <a:outerShdw dist="35921" dir="2700000" algn="ctr" rotWithShape="0">
                     <a:schemeClr val="bg2"/>
@@ -12383,14 +12628,14 @@
           <a:effectLst/>
           <a:extLst>
             <a:ext uri="{909E8E84-426E-40DD-AFC4-6F175D3DCCD1}">
-              <a14:hiddenFill xmlns:a14="http://schemas.microsoft.com/office/drawing/2010/main" xmlns="">
+              <a14:hiddenFill xmlns:a14="http://schemas.microsoft.com/office/drawing/2010/main">
                 <a:solidFill>
                   <a:schemeClr val="accent1"/>
                 </a:solidFill>
               </a14:hiddenFill>
             </a:ext>
             <a:ext uri="{91240B29-F687-4F45-9708-019B960494DF}">
-              <a14:hiddenLine xmlns:a14="http://schemas.microsoft.com/office/drawing/2010/main" xmlns="" w="9525">
+              <a14:hiddenLine xmlns:a14="http://schemas.microsoft.com/office/drawing/2010/main" w="9525">
                 <a:solidFill>
                   <a:schemeClr val="tx1"/>
                 </a:solidFill>
@@ -12400,7 +12645,7 @@
               </a14:hiddenLine>
             </a:ext>
             <a:ext uri="{AF507438-7753-43E0-B8FC-AC1667EBCBE1}">
-              <a14:hiddenEffects xmlns:a14="http://schemas.microsoft.com/office/drawing/2010/main" xmlns="">
+              <a14:hiddenEffects xmlns:a14="http://schemas.microsoft.com/office/drawing/2010/main">
                 <a:effectLst>
                   <a:outerShdw dist="35921" dir="2700000" algn="ctr" rotWithShape="0">
                     <a:schemeClr val="bg2"/>
@@ -12432,7 +12677,7 @@
           <p:nvPr>
             <p:extLst>
               <p:ext uri="{D42A27DB-BD31-4B8C-83A1-F6EECF244321}">
-                <p14:modId xmlns:p14="http://schemas.microsoft.com/office/powerpoint/2010/main" xmlns="" val="1096492562"/>
+                <p14:modId xmlns:p14="http://schemas.microsoft.com/office/powerpoint/2010/main" val="1096492562"/>
               </p:ext>
             </p:extLst>
           </p:nvPr>
@@ -12446,8 +12691,20 @@
             <a:tbl>
               <a:tblPr/>
               <a:tblGrid>
-                <a:gridCol w="3528392"/>
-                <a:gridCol w="4824536"/>
+                <a:gridCol w="3528392">
+                  <a:extLst>
+                    <a:ext uri="{9D8B030D-6E8A-4147-A177-3AD203B41FA5}">
+                      <a16:colId xmlns:a16="http://schemas.microsoft.com/office/drawing/2014/main" val="20000"/>
+                    </a:ext>
+                  </a:extLst>
+                </a:gridCol>
+                <a:gridCol w="4824536">
+                  <a:extLst>
+                    <a:ext uri="{9D8B030D-6E8A-4147-A177-3AD203B41FA5}">
+                      <a16:colId xmlns:a16="http://schemas.microsoft.com/office/drawing/2014/main" val="20001"/>
+                    </a:ext>
+                  </a:extLst>
+                </a:gridCol>
               </a:tblGrid>
               <a:tr h="153092">
                 <a:tc>
@@ -12598,6 +12855,11 @@
                     </a:lnB>
                   </a:tcPr>
                 </a:tc>
+                <a:extLst>
+                  <a:ext uri="{0D108BD9-81ED-4DB2-BD59-A6C34878D82A}">
+                    <a16:rowId xmlns:a16="http://schemas.microsoft.com/office/drawing/2014/main" val="10000"/>
+                  </a:ext>
+                </a:extLst>
               </a:tr>
               <a:tr h="261158">
                 <a:tc>
@@ -12814,6 +13076,11 @@
                     </a:lnB>
                   </a:tcPr>
                 </a:tc>
+                <a:extLst>
+                  <a:ext uri="{0D108BD9-81ED-4DB2-BD59-A6C34878D82A}">
+                    <a16:rowId xmlns:a16="http://schemas.microsoft.com/office/drawing/2014/main" val="10001"/>
+                  </a:ext>
+                </a:extLst>
               </a:tr>
               <a:tr h="261158">
                 <a:tc>
@@ -13000,6 +13267,11 @@
                     </a:lnB>
                   </a:tcPr>
                 </a:tc>
+                <a:extLst>
+                  <a:ext uri="{0D108BD9-81ED-4DB2-BD59-A6C34878D82A}">
+                    <a16:rowId xmlns:a16="http://schemas.microsoft.com/office/drawing/2014/main" val="10002"/>
+                  </a:ext>
+                </a:extLst>
               </a:tr>
               <a:tr h="261158">
                 <a:tc>
@@ -13169,6 +13441,11 @@
                     </a:lnB>
                   </a:tcPr>
                 </a:tc>
+                <a:extLst>
+                  <a:ext uri="{0D108BD9-81ED-4DB2-BD59-A6C34878D82A}">
+                    <a16:rowId xmlns:a16="http://schemas.microsoft.com/office/drawing/2014/main" val="10003"/>
+                  </a:ext>
+                </a:extLst>
               </a:tr>
               <a:tr h="369222">
                 <a:tc>
@@ -13338,6 +13615,11 @@
                     </a:lnB>
                   </a:tcPr>
                 </a:tc>
+                <a:extLst>
+                  <a:ext uri="{0D108BD9-81ED-4DB2-BD59-A6C34878D82A}">
+                    <a16:rowId xmlns:a16="http://schemas.microsoft.com/office/drawing/2014/main" val="10004"/>
+                  </a:ext>
+                </a:extLst>
               </a:tr>
               <a:tr h="369222">
                 <a:tc>
@@ -13597,6 +13879,11 @@
                     </a:lnB>
                   </a:tcPr>
                 </a:tc>
+                <a:extLst>
+                  <a:ext uri="{0D108BD9-81ED-4DB2-BD59-A6C34878D82A}">
+                    <a16:rowId xmlns:a16="http://schemas.microsoft.com/office/drawing/2014/main" val="10005"/>
+                  </a:ext>
+                </a:extLst>
               </a:tr>
               <a:tr h="153092">
                 <a:tc>
@@ -13743,6 +14030,11 @@
                     </a:lnB>
                   </a:tcPr>
                 </a:tc>
+                <a:extLst>
+                  <a:ext uri="{0D108BD9-81ED-4DB2-BD59-A6C34878D82A}">
+                    <a16:rowId xmlns:a16="http://schemas.microsoft.com/office/drawing/2014/main" val="10006"/>
+                  </a:ext>
+                </a:extLst>
               </a:tr>
             </a:tbl>
           </a:graphicData>
@@ -13771,14 +14063,14 @@
           <a:effectLst/>
           <a:extLst>
             <a:ext uri="{909E8E84-426E-40DD-AFC4-6F175D3DCCD1}">
-              <a14:hiddenFill xmlns:a14="http://schemas.microsoft.com/office/drawing/2010/main" xmlns="">
+              <a14:hiddenFill xmlns:a14="http://schemas.microsoft.com/office/drawing/2010/main">
                 <a:solidFill>
                   <a:schemeClr val="accent1"/>
                 </a:solidFill>
               </a14:hiddenFill>
             </a:ext>
             <a:ext uri="{91240B29-F687-4F45-9708-019B960494DF}">
-              <a14:hiddenLine xmlns:a14="http://schemas.microsoft.com/office/drawing/2010/main" xmlns="" w="9525">
+              <a14:hiddenLine xmlns:a14="http://schemas.microsoft.com/office/drawing/2010/main" w="9525">
                 <a:solidFill>
                   <a:schemeClr val="tx1"/>
                 </a:solidFill>
@@ -13788,7 +14080,7 @@
               </a14:hiddenLine>
             </a:ext>
             <a:ext uri="{AF507438-7753-43E0-B8FC-AC1667EBCBE1}">
-              <a14:hiddenEffects xmlns:a14="http://schemas.microsoft.com/office/drawing/2010/main" xmlns="">
+              <a14:hiddenEffects xmlns:a14="http://schemas.microsoft.com/office/drawing/2010/main">
                 <a:effectLst>
                   <a:outerShdw dist="35921" dir="2700000" algn="ctr" rotWithShape="0">
                     <a:schemeClr val="bg2"/>
@@ -13814,7 +14106,7 @@
     </p:spTree>
     <p:extLst>
       <p:ext uri="{BB962C8B-B14F-4D97-AF65-F5344CB8AC3E}">
-        <p14:creationId xmlns:p14="http://schemas.microsoft.com/office/powerpoint/2010/main" xmlns="" val="293979716"/>
+        <p14:creationId xmlns:p14="http://schemas.microsoft.com/office/powerpoint/2010/main" val="293979716"/>
       </p:ext>
     </p:extLst>
   </p:cSld>
@@ -13864,14 +14156,14 @@
           <a:effectLst/>
           <a:extLst>
             <a:ext uri="{909E8E84-426E-40DD-AFC4-6F175D3DCCD1}">
-              <a14:hiddenFill xmlns:a14="http://schemas.microsoft.com/office/drawing/2010/main" xmlns="">
+              <a14:hiddenFill xmlns:a14="http://schemas.microsoft.com/office/drawing/2010/main">
                 <a:solidFill>
                   <a:schemeClr val="accent1"/>
                 </a:solidFill>
               </a14:hiddenFill>
             </a:ext>
             <a:ext uri="{91240B29-F687-4F45-9708-019B960494DF}">
-              <a14:hiddenLine xmlns:a14="http://schemas.microsoft.com/office/drawing/2010/main" xmlns="" w="9525">
+              <a14:hiddenLine xmlns:a14="http://schemas.microsoft.com/office/drawing/2010/main" w="9525">
                 <a:solidFill>
                   <a:schemeClr val="tx1"/>
                 </a:solidFill>
@@ -13881,7 +14173,7 @@
               </a14:hiddenLine>
             </a:ext>
             <a:ext uri="{AF507438-7753-43E0-B8FC-AC1667EBCBE1}">
-              <a14:hiddenEffects xmlns:a14="http://schemas.microsoft.com/office/drawing/2010/main" xmlns="">
+              <a14:hiddenEffects xmlns:a14="http://schemas.microsoft.com/office/drawing/2010/main">
                 <a:effectLst>
                   <a:outerShdw dist="35921" dir="2700000" algn="ctr" rotWithShape="0">
                     <a:schemeClr val="bg2"/>
@@ -13927,14 +14219,14 @@
           <a:effectLst/>
           <a:extLst>
             <a:ext uri="{909E8E84-426E-40DD-AFC4-6F175D3DCCD1}">
-              <a14:hiddenFill xmlns:a14="http://schemas.microsoft.com/office/drawing/2010/main" xmlns="">
+              <a14:hiddenFill xmlns:a14="http://schemas.microsoft.com/office/drawing/2010/main">
                 <a:solidFill>
                   <a:schemeClr val="accent1"/>
                 </a:solidFill>
               </a14:hiddenFill>
             </a:ext>
             <a:ext uri="{91240B29-F687-4F45-9708-019B960494DF}">
-              <a14:hiddenLine xmlns:a14="http://schemas.microsoft.com/office/drawing/2010/main" xmlns="" w="9525">
+              <a14:hiddenLine xmlns:a14="http://schemas.microsoft.com/office/drawing/2010/main" w="9525">
                 <a:solidFill>
                   <a:schemeClr val="tx1"/>
                 </a:solidFill>
@@ -13944,7 +14236,7 @@
               </a14:hiddenLine>
             </a:ext>
             <a:ext uri="{AF507438-7753-43E0-B8FC-AC1667EBCBE1}">
-              <a14:hiddenEffects xmlns:a14="http://schemas.microsoft.com/office/drawing/2010/main" xmlns="">
+              <a14:hiddenEffects xmlns:a14="http://schemas.microsoft.com/office/drawing/2010/main">
                 <a:effectLst>
                   <a:outerShdw dist="35921" dir="2700000" algn="ctr" rotWithShape="0">
                     <a:schemeClr val="bg2"/>
@@ -13990,14 +14282,14 @@
           <a:effectLst/>
           <a:extLst>
             <a:ext uri="{909E8E84-426E-40DD-AFC4-6F175D3DCCD1}">
-              <a14:hiddenFill xmlns:a14="http://schemas.microsoft.com/office/drawing/2010/main" xmlns="">
+              <a14:hiddenFill xmlns:a14="http://schemas.microsoft.com/office/drawing/2010/main">
                 <a:solidFill>
                   <a:schemeClr val="accent1"/>
                 </a:solidFill>
               </a14:hiddenFill>
             </a:ext>
             <a:ext uri="{91240B29-F687-4F45-9708-019B960494DF}">
-              <a14:hiddenLine xmlns:a14="http://schemas.microsoft.com/office/drawing/2010/main" xmlns="" w="9525">
+              <a14:hiddenLine xmlns:a14="http://schemas.microsoft.com/office/drawing/2010/main" w="9525">
                 <a:solidFill>
                   <a:schemeClr val="tx1"/>
                 </a:solidFill>
@@ -14007,7 +14299,7 @@
               </a14:hiddenLine>
             </a:ext>
             <a:ext uri="{AF507438-7753-43E0-B8FC-AC1667EBCBE1}">
-              <a14:hiddenEffects xmlns:a14="http://schemas.microsoft.com/office/drawing/2010/main" xmlns="">
+              <a14:hiddenEffects xmlns:a14="http://schemas.microsoft.com/office/drawing/2010/main">
                 <a:effectLst>
                   <a:outerShdw dist="35921" dir="2700000" algn="ctr" rotWithShape="0">
                     <a:schemeClr val="bg2"/>
@@ -14306,7 +14598,7 @@
           <p:nvPr>
             <p:extLst>
               <p:ext uri="{D42A27DB-BD31-4B8C-83A1-F6EECF244321}">
-                <p14:modId xmlns:p14="http://schemas.microsoft.com/office/powerpoint/2010/main" xmlns="" val="2060675551"/>
+                <p14:modId xmlns:p14="http://schemas.microsoft.com/office/powerpoint/2010/main" val="2060675551"/>
               </p:ext>
             </p:extLst>
           </p:nvPr>
@@ -14320,7 +14612,13 @@
             <a:tbl>
               <a:tblPr/>
               <a:tblGrid>
-                <a:gridCol w="8424936"/>
+                <a:gridCol w="8424936">
+                  <a:extLst>
+                    <a:ext uri="{9D8B030D-6E8A-4147-A177-3AD203B41FA5}">
+                      <a16:colId xmlns:a16="http://schemas.microsoft.com/office/drawing/2014/main" val="20000"/>
+                    </a:ext>
+                  </a:extLst>
+                </a:gridCol>
               </a:tblGrid>
               <a:tr h="360040">
                 <a:tc>
@@ -14405,6 +14703,11 @@
                     </a:solidFill>
                   </a:tcPr>
                 </a:tc>
+                <a:extLst>
+                  <a:ext uri="{0D108BD9-81ED-4DB2-BD59-A6C34878D82A}">
+                    <a16:rowId xmlns:a16="http://schemas.microsoft.com/office/drawing/2014/main" val="10000"/>
+                  </a:ext>
+                </a:extLst>
               </a:tr>
             </a:tbl>
           </a:graphicData>
@@ -14419,7 +14722,7 @@
           <p:nvPr>
             <p:extLst>
               <p:ext uri="{D42A27DB-BD31-4B8C-83A1-F6EECF244321}">
-                <p14:modId xmlns:p14="http://schemas.microsoft.com/office/powerpoint/2010/main" xmlns="" val="2467049960"/>
+                <p14:modId xmlns:p14="http://schemas.microsoft.com/office/powerpoint/2010/main" val="2467049960"/>
               </p:ext>
             </p:extLst>
           </p:nvPr>
@@ -14433,7 +14736,13 @@
             <a:tbl>
               <a:tblPr/>
               <a:tblGrid>
-                <a:gridCol w="8424936"/>
+                <a:gridCol w="8424936">
+                  <a:extLst>
+                    <a:ext uri="{9D8B030D-6E8A-4147-A177-3AD203B41FA5}">
+                      <a16:colId xmlns:a16="http://schemas.microsoft.com/office/drawing/2014/main" val="20000"/>
+                    </a:ext>
+                  </a:extLst>
+                </a:gridCol>
               </a:tblGrid>
               <a:tr h="360040">
                 <a:tc>
@@ -14542,6 +14851,11 @@
                     </a:solidFill>
                   </a:tcPr>
                 </a:tc>
+                <a:extLst>
+                  <a:ext uri="{0D108BD9-81ED-4DB2-BD59-A6C34878D82A}">
+                    <a16:rowId xmlns:a16="http://schemas.microsoft.com/office/drawing/2014/main" val="10000"/>
+                  </a:ext>
+                </a:extLst>
               </a:tr>
             </a:tbl>
           </a:graphicData>
@@ -14550,7 +14864,7 @@
     </p:spTree>
     <p:extLst>
       <p:ext uri="{BB962C8B-B14F-4D97-AF65-F5344CB8AC3E}">
-        <p14:creationId xmlns:p14="http://schemas.microsoft.com/office/powerpoint/2010/main" xmlns="" val="2972073940"/>
+        <p14:creationId xmlns:p14="http://schemas.microsoft.com/office/powerpoint/2010/main" val="2972073940"/>
       </p:ext>
     </p:extLst>
   </p:cSld>
@@ -14600,14 +14914,14 @@
           <a:effectLst/>
           <a:extLst>
             <a:ext uri="{909E8E84-426E-40DD-AFC4-6F175D3DCCD1}">
-              <a14:hiddenFill xmlns:a14="http://schemas.microsoft.com/office/drawing/2010/main" xmlns="">
+              <a14:hiddenFill xmlns:a14="http://schemas.microsoft.com/office/drawing/2010/main">
                 <a:solidFill>
                   <a:schemeClr val="accent1"/>
                 </a:solidFill>
               </a14:hiddenFill>
             </a:ext>
             <a:ext uri="{91240B29-F687-4F45-9708-019B960494DF}">
-              <a14:hiddenLine xmlns:a14="http://schemas.microsoft.com/office/drawing/2010/main" xmlns="" w="9525">
+              <a14:hiddenLine xmlns:a14="http://schemas.microsoft.com/office/drawing/2010/main" w="9525">
                 <a:solidFill>
                   <a:schemeClr val="tx1"/>
                 </a:solidFill>
@@ -14617,7 +14931,7 @@
               </a14:hiddenLine>
             </a:ext>
             <a:ext uri="{AF507438-7753-43E0-B8FC-AC1667EBCBE1}">
-              <a14:hiddenEffects xmlns:a14="http://schemas.microsoft.com/office/drawing/2010/main" xmlns="">
+              <a14:hiddenEffects xmlns:a14="http://schemas.microsoft.com/office/drawing/2010/main">
                 <a:effectLst>
                   <a:outerShdw dist="35921" dir="2700000" algn="ctr" rotWithShape="0">
                     <a:schemeClr val="bg2"/>
@@ -14663,14 +14977,14 @@
           <a:effectLst/>
           <a:extLst>
             <a:ext uri="{909E8E84-426E-40DD-AFC4-6F175D3DCCD1}">
-              <a14:hiddenFill xmlns:a14="http://schemas.microsoft.com/office/drawing/2010/main" xmlns="">
+              <a14:hiddenFill xmlns:a14="http://schemas.microsoft.com/office/drawing/2010/main">
                 <a:solidFill>
                   <a:schemeClr val="accent1"/>
                 </a:solidFill>
               </a14:hiddenFill>
             </a:ext>
             <a:ext uri="{91240B29-F687-4F45-9708-019B960494DF}">
-              <a14:hiddenLine xmlns:a14="http://schemas.microsoft.com/office/drawing/2010/main" xmlns="" w="9525">
+              <a14:hiddenLine xmlns:a14="http://schemas.microsoft.com/office/drawing/2010/main" w="9525">
                 <a:solidFill>
                   <a:schemeClr val="tx1"/>
                 </a:solidFill>
@@ -14680,7 +14994,7 @@
               </a14:hiddenLine>
             </a:ext>
             <a:ext uri="{AF507438-7753-43E0-B8FC-AC1667EBCBE1}">
-              <a14:hiddenEffects xmlns:a14="http://schemas.microsoft.com/office/drawing/2010/main" xmlns="">
+              <a14:hiddenEffects xmlns:a14="http://schemas.microsoft.com/office/drawing/2010/main">
                 <a:effectLst>
                   <a:outerShdw dist="35921" dir="2700000" algn="ctr" rotWithShape="0">
                     <a:schemeClr val="bg2"/>
@@ -14726,14 +15040,14 @@
           <a:effectLst/>
           <a:extLst>
             <a:ext uri="{909E8E84-426E-40DD-AFC4-6F175D3DCCD1}">
-              <a14:hiddenFill xmlns:a14="http://schemas.microsoft.com/office/drawing/2010/main" xmlns="">
+              <a14:hiddenFill xmlns:a14="http://schemas.microsoft.com/office/drawing/2010/main">
                 <a:solidFill>
                   <a:schemeClr val="accent1"/>
                 </a:solidFill>
               </a14:hiddenFill>
             </a:ext>
             <a:ext uri="{91240B29-F687-4F45-9708-019B960494DF}">
-              <a14:hiddenLine xmlns:a14="http://schemas.microsoft.com/office/drawing/2010/main" xmlns="" w="9525">
+              <a14:hiddenLine xmlns:a14="http://schemas.microsoft.com/office/drawing/2010/main" w="9525">
                 <a:solidFill>
                   <a:schemeClr val="tx1"/>
                 </a:solidFill>
@@ -14743,7 +15057,7 @@
               </a14:hiddenLine>
             </a:ext>
             <a:ext uri="{AF507438-7753-43E0-B8FC-AC1667EBCBE1}">
-              <a14:hiddenEffects xmlns:a14="http://schemas.microsoft.com/office/drawing/2010/main" xmlns="">
+              <a14:hiddenEffects xmlns:a14="http://schemas.microsoft.com/office/drawing/2010/main">
                 <a:effectLst>
                   <a:outerShdw dist="35921" dir="2700000" algn="ctr" rotWithShape="0">
                     <a:schemeClr val="bg2"/>
@@ -14823,7 +15137,7 @@
           <p:nvPr>
             <p:extLst>
               <p:ext uri="{D42A27DB-BD31-4B8C-83A1-F6EECF244321}">
-                <p14:modId xmlns:p14="http://schemas.microsoft.com/office/powerpoint/2010/main" xmlns="" val="3197903297"/>
+                <p14:modId xmlns:p14="http://schemas.microsoft.com/office/powerpoint/2010/main" val="3197903297"/>
               </p:ext>
             </p:extLst>
           </p:nvPr>
@@ -14837,7 +15151,13 @@
             <a:tbl>
               <a:tblPr/>
               <a:tblGrid>
-                <a:gridCol w="8424936"/>
+                <a:gridCol w="8424936">
+                  <a:extLst>
+                    <a:ext uri="{9D8B030D-6E8A-4147-A177-3AD203B41FA5}">
+                      <a16:colId xmlns:a16="http://schemas.microsoft.com/office/drawing/2014/main" val="20000"/>
+                    </a:ext>
+                  </a:extLst>
+                </a:gridCol>
               </a:tblGrid>
               <a:tr h="360040">
                 <a:tc>
@@ -14934,6 +15254,11 @@
                     </a:solidFill>
                   </a:tcPr>
                 </a:tc>
+                <a:extLst>
+                  <a:ext uri="{0D108BD9-81ED-4DB2-BD59-A6C34878D82A}">
+                    <a16:rowId xmlns:a16="http://schemas.microsoft.com/office/drawing/2014/main" val="10000"/>
+                  </a:ext>
+                </a:extLst>
               </a:tr>
             </a:tbl>
           </a:graphicData>
@@ -14948,7 +15273,7 @@
           <p:nvPr>
             <p:extLst>
               <p:ext uri="{D42A27DB-BD31-4B8C-83A1-F6EECF244321}">
-                <p14:modId xmlns:p14="http://schemas.microsoft.com/office/powerpoint/2010/main" xmlns="" val="2630480480"/>
+                <p14:modId xmlns:p14="http://schemas.microsoft.com/office/powerpoint/2010/main" val="2630480480"/>
               </p:ext>
             </p:extLst>
           </p:nvPr>
@@ -14962,7 +15287,13 @@
             <a:tbl>
               <a:tblPr/>
               <a:tblGrid>
-                <a:gridCol w="8424936"/>
+                <a:gridCol w="8424936">
+                  <a:extLst>
+                    <a:ext uri="{9D8B030D-6E8A-4147-A177-3AD203B41FA5}">
+                      <a16:colId xmlns:a16="http://schemas.microsoft.com/office/drawing/2014/main" val="20000"/>
+                    </a:ext>
+                  </a:extLst>
+                </a:gridCol>
               </a:tblGrid>
               <a:tr h="360040">
                 <a:tc>
@@ -15059,6 +15390,11 @@
                     </a:solidFill>
                   </a:tcPr>
                 </a:tc>
+                <a:extLst>
+                  <a:ext uri="{0D108BD9-81ED-4DB2-BD59-A6C34878D82A}">
+                    <a16:rowId xmlns:a16="http://schemas.microsoft.com/office/drawing/2014/main" val="10000"/>
+                  </a:ext>
+                </a:extLst>
               </a:tr>
             </a:tbl>
           </a:graphicData>
@@ -15281,7 +15617,7 @@
           <p:nvPr>
             <p:extLst>
               <p:ext uri="{D42A27DB-BD31-4B8C-83A1-F6EECF244321}">
-                <p14:modId xmlns:p14="http://schemas.microsoft.com/office/powerpoint/2010/main" xmlns="" val="1096502685"/>
+                <p14:modId xmlns:p14="http://schemas.microsoft.com/office/powerpoint/2010/main" val="1096502685"/>
               </p:ext>
             </p:extLst>
           </p:nvPr>
@@ -15295,7 +15631,13 @@
             <a:tbl>
               <a:tblPr/>
               <a:tblGrid>
-                <a:gridCol w="8424936"/>
+                <a:gridCol w="8424936">
+                  <a:extLst>
+                    <a:ext uri="{9D8B030D-6E8A-4147-A177-3AD203B41FA5}">
+                      <a16:colId xmlns:a16="http://schemas.microsoft.com/office/drawing/2014/main" val="20000"/>
+                    </a:ext>
+                  </a:extLst>
+                </a:gridCol>
               </a:tblGrid>
               <a:tr h="360040">
                 <a:tc>
@@ -15392,6 +15734,11 @@
                     </a:solidFill>
                   </a:tcPr>
                 </a:tc>
+                <a:extLst>
+                  <a:ext uri="{0D108BD9-81ED-4DB2-BD59-A6C34878D82A}">
+                    <a16:rowId xmlns:a16="http://schemas.microsoft.com/office/drawing/2014/main" val="10000"/>
+                  </a:ext>
+                </a:extLst>
               </a:tr>
             </a:tbl>
           </a:graphicData>
@@ -15400,7 +15747,7 @@
     </p:spTree>
     <p:extLst>
       <p:ext uri="{BB962C8B-B14F-4D97-AF65-F5344CB8AC3E}">
-        <p14:creationId xmlns:p14="http://schemas.microsoft.com/office/powerpoint/2010/main" xmlns="" val="2725278054"/>
+        <p14:creationId xmlns:p14="http://schemas.microsoft.com/office/powerpoint/2010/main" val="2725278054"/>
       </p:ext>
     </p:extLst>
   </p:cSld>
@@ -15450,14 +15797,14 @@
           <a:effectLst/>
           <a:extLst>
             <a:ext uri="{909E8E84-426E-40DD-AFC4-6F175D3DCCD1}">
-              <a14:hiddenFill xmlns:a14="http://schemas.microsoft.com/office/drawing/2010/main" xmlns="">
+              <a14:hiddenFill xmlns:a14="http://schemas.microsoft.com/office/drawing/2010/main">
                 <a:solidFill>
                   <a:schemeClr val="accent1"/>
                 </a:solidFill>
               </a14:hiddenFill>
             </a:ext>
             <a:ext uri="{91240B29-F687-4F45-9708-019B960494DF}">
-              <a14:hiddenLine xmlns:a14="http://schemas.microsoft.com/office/drawing/2010/main" xmlns="" w="9525">
+              <a14:hiddenLine xmlns:a14="http://schemas.microsoft.com/office/drawing/2010/main" w="9525">
                 <a:solidFill>
                   <a:schemeClr val="tx1"/>
                 </a:solidFill>
@@ -15467,7 +15814,7 @@
               </a14:hiddenLine>
             </a:ext>
             <a:ext uri="{AF507438-7753-43E0-B8FC-AC1667EBCBE1}">
-              <a14:hiddenEffects xmlns:a14="http://schemas.microsoft.com/office/drawing/2010/main" xmlns="">
+              <a14:hiddenEffects xmlns:a14="http://schemas.microsoft.com/office/drawing/2010/main">
                 <a:effectLst>
                   <a:outerShdw dist="35921" dir="2700000" algn="ctr" rotWithShape="0">
                     <a:schemeClr val="bg2"/>
@@ -15513,14 +15860,14 @@
           <a:effectLst/>
           <a:extLst>
             <a:ext uri="{909E8E84-426E-40DD-AFC4-6F175D3DCCD1}">
-              <a14:hiddenFill xmlns:a14="http://schemas.microsoft.com/office/drawing/2010/main" xmlns="">
+              <a14:hiddenFill xmlns:a14="http://schemas.microsoft.com/office/drawing/2010/main">
                 <a:solidFill>
                   <a:schemeClr val="accent1"/>
                 </a:solidFill>
               </a14:hiddenFill>
             </a:ext>
             <a:ext uri="{91240B29-F687-4F45-9708-019B960494DF}">
-              <a14:hiddenLine xmlns:a14="http://schemas.microsoft.com/office/drawing/2010/main" xmlns="" w="9525">
+              <a14:hiddenLine xmlns:a14="http://schemas.microsoft.com/office/drawing/2010/main" w="9525">
                 <a:solidFill>
                   <a:schemeClr val="tx1"/>
                 </a:solidFill>
@@ -15530,7 +15877,7 @@
               </a14:hiddenLine>
             </a:ext>
             <a:ext uri="{AF507438-7753-43E0-B8FC-AC1667EBCBE1}">
-              <a14:hiddenEffects xmlns:a14="http://schemas.microsoft.com/office/drawing/2010/main" xmlns="">
+              <a14:hiddenEffects xmlns:a14="http://schemas.microsoft.com/office/drawing/2010/main">
                 <a:effectLst>
                   <a:outerShdw dist="35921" dir="2700000" algn="ctr" rotWithShape="0">
                     <a:schemeClr val="bg2"/>
@@ -15576,14 +15923,14 @@
           <a:effectLst/>
           <a:extLst>
             <a:ext uri="{909E8E84-426E-40DD-AFC4-6F175D3DCCD1}">
-              <a14:hiddenFill xmlns:a14="http://schemas.microsoft.com/office/drawing/2010/main" xmlns="">
+              <a14:hiddenFill xmlns:a14="http://schemas.microsoft.com/office/drawing/2010/main">
                 <a:solidFill>
                   <a:schemeClr val="accent1"/>
                 </a:solidFill>
               </a14:hiddenFill>
             </a:ext>
             <a:ext uri="{91240B29-F687-4F45-9708-019B960494DF}">
-              <a14:hiddenLine xmlns:a14="http://schemas.microsoft.com/office/drawing/2010/main" xmlns="" w="9525">
+              <a14:hiddenLine xmlns:a14="http://schemas.microsoft.com/office/drawing/2010/main" w="9525">
                 <a:solidFill>
                   <a:schemeClr val="tx1"/>
                 </a:solidFill>
@@ -15593,7 +15940,7 @@
               </a14:hiddenLine>
             </a:ext>
             <a:ext uri="{AF507438-7753-43E0-B8FC-AC1667EBCBE1}">
-              <a14:hiddenEffects xmlns:a14="http://schemas.microsoft.com/office/drawing/2010/main" xmlns="">
+              <a14:hiddenEffects xmlns:a14="http://schemas.microsoft.com/office/drawing/2010/main">
                 <a:effectLst>
                   <a:outerShdw dist="35921" dir="2700000" algn="ctr" rotWithShape="0">
                     <a:schemeClr val="bg2"/>
@@ -15790,7 +16137,7 @@
           <p:nvPr>
             <p:extLst>
               <p:ext uri="{D42A27DB-BD31-4B8C-83A1-F6EECF244321}">
-                <p14:modId xmlns:p14="http://schemas.microsoft.com/office/powerpoint/2010/main" xmlns="" val="3539481205"/>
+                <p14:modId xmlns:p14="http://schemas.microsoft.com/office/powerpoint/2010/main" val="3539481205"/>
               </p:ext>
             </p:extLst>
           </p:nvPr>
@@ -15804,8 +16151,20 @@
             <a:tbl>
               <a:tblPr/>
               <a:tblGrid>
-                <a:gridCol w="2217638"/>
-                <a:gridCol w="6336704"/>
+                <a:gridCol w="2217638">
+                  <a:extLst>
+                    <a:ext uri="{9D8B030D-6E8A-4147-A177-3AD203B41FA5}">
+                      <a16:colId xmlns:a16="http://schemas.microsoft.com/office/drawing/2014/main" val="20000"/>
+                    </a:ext>
+                  </a:extLst>
+                </a:gridCol>
+                <a:gridCol w="6336704">
+                  <a:extLst>
+                    <a:ext uri="{9D8B030D-6E8A-4147-A177-3AD203B41FA5}">
+                      <a16:colId xmlns:a16="http://schemas.microsoft.com/office/drawing/2014/main" val="20001"/>
+                    </a:ext>
+                  </a:extLst>
+                </a:gridCol>
               </a:tblGrid>
               <a:tr h="0">
                 <a:tc>
@@ -15956,6 +16315,11 @@
                     </a:lnB>
                   </a:tcPr>
                 </a:tc>
+                <a:extLst>
+                  <a:ext uri="{0D108BD9-81ED-4DB2-BD59-A6C34878D82A}">
+                    <a16:rowId xmlns:a16="http://schemas.microsoft.com/office/drawing/2014/main" val="10000"/>
+                  </a:ext>
+                </a:extLst>
               </a:tr>
               <a:tr h="0">
                 <a:tc>
@@ -16202,6 +16566,11 @@
                     </a:lnB>
                   </a:tcPr>
                 </a:tc>
+                <a:extLst>
+                  <a:ext uri="{0D108BD9-81ED-4DB2-BD59-A6C34878D82A}">
+                    <a16:rowId xmlns:a16="http://schemas.microsoft.com/office/drawing/2014/main" val="10001"/>
+                  </a:ext>
+                </a:extLst>
               </a:tr>
               <a:tr h="0">
                 <a:tc>
@@ -16368,6 +16737,11 @@
                     </a:lnB>
                   </a:tcPr>
                 </a:tc>
+                <a:extLst>
+                  <a:ext uri="{0D108BD9-81ED-4DB2-BD59-A6C34878D82A}">
+                    <a16:rowId xmlns:a16="http://schemas.microsoft.com/office/drawing/2014/main" val="10002"/>
+                  </a:ext>
+                </a:extLst>
               </a:tr>
             </a:tbl>
           </a:graphicData>
@@ -16396,14 +16770,14 @@
           <a:effectLst/>
           <a:extLst>
             <a:ext uri="{909E8E84-426E-40DD-AFC4-6F175D3DCCD1}">
-              <a14:hiddenFill xmlns:a14="http://schemas.microsoft.com/office/drawing/2010/main" xmlns="">
+              <a14:hiddenFill xmlns:a14="http://schemas.microsoft.com/office/drawing/2010/main">
                 <a:solidFill>
                   <a:schemeClr val="accent1"/>
                 </a:solidFill>
               </a14:hiddenFill>
             </a:ext>
             <a:ext uri="{91240B29-F687-4F45-9708-019B960494DF}">
-              <a14:hiddenLine xmlns:a14="http://schemas.microsoft.com/office/drawing/2010/main" xmlns="" w="9525">
+              <a14:hiddenLine xmlns:a14="http://schemas.microsoft.com/office/drawing/2010/main" w="9525">
                 <a:solidFill>
                   <a:schemeClr val="tx1"/>
                 </a:solidFill>
@@ -16413,7 +16787,7 @@
               </a14:hiddenLine>
             </a:ext>
             <a:ext uri="{AF507438-7753-43E0-B8FC-AC1667EBCBE1}">
-              <a14:hiddenEffects xmlns:a14="http://schemas.microsoft.com/office/drawing/2010/main" xmlns="">
+              <a14:hiddenEffects xmlns:a14="http://schemas.microsoft.com/office/drawing/2010/main">
                 <a:effectLst>
                   <a:outerShdw dist="35921" dir="2700000" algn="ctr" rotWithShape="0">
                     <a:schemeClr val="bg2"/>
@@ -16439,7 +16813,7 @@
     </p:spTree>
     <p:extLst>
       <p:ext uri="{BB962C8B-B14F-4D97-AF65-F5344CB8AC3E}">
-        <p14:creationId xmlns:p14="http://schemas.microsoft.com/office/powerpoint/2010/main" xmlns="" val="559080078"/>
+        <p14:creationId xmlns:p14="http://schemas.microsoft.com/office/powerpoint/2010/main" val="559080078"/>
       </p:ext>
     </p:extLst>
   </p:cSld>
@@ -16489,14 +16863,14 @@
           <a:effectLst/>
           <a:extLst>
             <a:ext uri="{909E8E84-426E-40DD-AFC4-6F175D3DCCD1}">
-              <a14:hiddenFill xmlns:a14="http://schemas.microsoft.com/office/drawing/2010/main" xmlns="">
+              <a14:hiddenFill xmlns:a14="http://schemas.microsoft.com/office/drawing/2010/main">
                 <a:solidFill>
                   <a:schemeClr val="accent1"/>
                 </a:solidFill>
               </a14:hiddenFill>
             </a:ext>
             <a:ext uri="{91240B29-F687-4F45-9708-019B960494DF}">
-              <a14:hiddenLine xmlns:a14="http://schemas.microsoft.com/office/drawing/2010/main" xmlns="" w="9525">
+              <a14:hiddenLine xmlns:a14="http://schemas.microsoft.com/office/drawing/2010/main" w="9525">
                 <a:solidFill>
                   <a:schemeClr val="tx1"/>
                 </a:solidFill>
@@ -16506,7 +16880,7 @@
               </a14:hiddenLine>
             </a:ext>
             <a:ext uri="{AF507438-7753-43E0-B8FC-AC1667EBCBE1}">
-              <a14:hiddenEffects xmlns:a14="http://schemas.microsoft.com/office/drawing/2010/main" xmlns="">
+              <a14:hiddenEffects xmlns:a14="http://schemas.microsoft.com/office/drawing/2010/main">
                 <a:effectLst>
                   <a:outerShdw dist="35921" dir="2700000" algn="ctr" rotWithShape="0">
                     <a:schemeClr val="bg2"/>
@@ -16552,14 +16926,14 @@
           <a:effectLst/>
           <a:extLst>
             <a:ext uri="{909E8E84-426E-40DD-AFC4-6F175D3DCCD1}">
-              <a14:hiddenFill xmlns:a14="http://schemas.microsoft.com/office/drawing/2010/main" xmlns="">
+              <a14:hiddenFill xmlns:a14="http://schemas.microsoft.com/office/drawing/2010/main">
                 <a:solidFill>
                   <a:schemeClr val="accent1"/>
                 </a:solidFill>
               </a14:hiddenFill>
             </a:ext>
             <a:ext uri="{91240B29-F687-4F45-9708-019B960494DF}">
-              <a14:hiddenLine xmlns:a14="http://schemas.microsoft.com/office/drawing/2010/main" xmlns="" w="9525">
+              <a14:hiddenLine xmlns:a14="http://schemas.microsoft.com/office/drawing/2010/main" w="9525">
                 <a:solidFill>
                   <a:schemeClr val="tx1"/>
                 </a:solidFill>
@@ -16569,7 +16943,7 @@
               </a14:hiddenLine>
             </a:ext>
             <a:ext uri="{AF507438-7753-43E0-B8FC-AC1667EBCBE1}">
-              <a14:hiddenEffects xmlns:a14="http://schemas.microsoft.com/office/drawing/2010/main" xmlns="">
+              <a14:hiddenEffects xmlns:a14="http://schemas.microsoft.com/office/drawing/2010/main">
                 <a:effectLst>
                   <a:outerShdw dist="35921" dir="2700000" algn="ctr" rotWithShape="0">
                     <a:schemeClr val="bg2"/>
@@ -16615,14 +16989,14 @@
           <a:effectLst/>
           <a:extLst>
             <a:ext uri="{909E8E84-426E-40DD-AFC4-6F175D3DCCD1}">
-              <a14:hiddenFill xmlns:a14="http://schemas.microsoft.com/office/drawing/2010/main" xmlns="">
+              <a14:hiddenFill xmlns:a14="http://schemas.microsoft.com/office/drawing/2010/main">
                 <a:solidFill>
                   <a:schemeClr val="accent1"/>
                 </a:solidFill>
               </a14:hiddenFill>
             </a:ext>
             <a:ext uri="{91240B29-F687-4F45-9708-019B960494DF}">
-              <a14:hiddenLine xmlns:a14="http://schemas.microsoft.com/office/drawing/2010/main" xmlns="" w="9525">
+              <a14:hiddenLine xmlns:a14="http://schemas.microsoft.com/office/drawing/2010/main" w="9525">
                 <a:solidFill>
                   <a:schemeClr val="tx1"/>
                 </a:solidFill>
@@ -16632,7 +17006,7 @@
               </a14:hiddenLine>
             </a:ext>
             <a:ext uri="{AF507438-7753-43E0-B8FC-AC1667EBCBE1}">
-              <a14:hiddenEffects xmlns:a14="http://schemas.microsoft.com/office/drawing/2010/main" xmlns="">
+              <a14:hiddenEffects xmlns:a14="http://schemas.microsoft.com/office/drawing/2010/main">
                 <a:effectLst>
                   <a:outerShdw dist="35921" dir="2700000" algn="ctr" rotWithShape="0">
                     <a:schemeClr val="bg2"/>
@@ -16718,14 +17092,14 @@
           <a:effectLst/>
           <a:extLst>
             <a:ext uri="{909E8E84-426E-40DD-AFC4-6F175D3DCCD1}">
-              <a14:hiddenFill xmlns:a14="http://schemas.microsoft.com/office/drawing/2010/main" xmlns="">
+              <a14:hiddenFill xmlns:a14="http://schemas.microsoft.com/office/drawing/2010/main">
                 <a:solidFill>
                   <a:schemeClr val="accent1"/>
                 </a:solidFill>
               </a14:hiddenFill>
             </a:ext>
             <a:ext uri="{91240B29-F687-4F45-9708-019B960494DF}">
-              <a14:hiddenLine xmlns:a14="http://schemas.microsoft.com/office/drawing/2010/main" xmlns="" w="9525">
+              <a14:hiddenLine xmlns:a14="http://schemas.microsoft.com/office/drawing/2010/main" w="9525">
                 <a:solidFill>
                   <a:schemeClr val="tx1"/>
                 </a:solidFill>
@@ -16735,7 +17109,7 @@
               </a14:hiddenLine>
             </a:ext>
             <a:ext uri="{AF507438-7753-43E0-B8FC-AC1667EBCBE1}">
-              <a14:hiddenEffects xmlns:a14="http://schemas.microsoft.com/office/drawing/2010/main" xmlns="">
+              <a14:hiddenEffects xmlns:a14="http://schemas.microsoft.com/office/drawing/2010/main">
                 <a:effectLst>
                   <a:outerShdw dist="35921" dir="2700000" algn="ctr" rotWithShape="0">
                     <a:schemeClr val="bg2"/>
@@ -17129,7 +17503,7 @@
     </p:spTree>
     <p:extLst>
       <p:ext uri="{BB962C8B-B14F-4D97-AF65-F5344CB8AC3E}">
-        <p14:creationId xmlns:p14="http://schemas.microsoft.com/office/powerpoint/2010/main" xmlns="" val="3927858767"/>
+        <p14:creationId xmlns:p14="http://schemas.microsoft.com/office/powerpoint/2010/main" val="3927858767"/>
       </p:ext>
     </p:extLst>
   </p:cSld>
@@ -17182,7 +17556,7 @@
             <a:blip r:embed="rId2" cstate="print">
               <a:extLst>
                 <a:ext uri="{28A0092B-C50C-407E-A947-70E740481C1C}">
-                  <a14:useLocalDpi xmlns:a14="http://schemas.microsoft.com/office/drawing/2010/main" xmlns="" val="0"/>
+                  <a14:useLocalDpi xmlns:a14="http://schemas.microsoft.com/office/drawing/2010/main" val="0"/>
                 </a:ext>
               </a:extLst>
             </a:blip>
@@ -17202,7 +17576,7 @@
             <a:noFill/>
             <a:extLst>
               <a:ext uri="{909E8E84-426E-40DD-AFC4-6F175D3DCCD1}">
-                <a14:hiddenFill xmlns:a14="http://schemas.microsoft.com/office/drawing/2010/main" xmlns="">
+                <a14:hiddenFill xmlns:a14="http://schemas.microsoft.com/office/drawing/2010/main">
                   <a:solidFill>
                     <a:srgbClr val="FFFFFF"/>
                   </a:solidFill>
@@ -17223,7 +17597,7 @@
             <a:blip r:embed="rId2" cstate="print">
               <a:extLst>
                 <a:ext uri="{28A0092B-C50C-407E-A947-70E740481C1C}">
-                  <a14:useLocalDpi xmlns:a14="http://schemas.microsoft.com/office/drawing/2010/main" xmlns="" val="0"/>
+                  <a14:useLocalDpi xmlns:a14="http://schemas.microsoft.com/office/drawing/2010/main" val="0"/>
                 </a:ext>
               </a:extLst>
             </a:blip>
@@ -17243,7 +17617,7 @@
             <a:noFill/>
             <a:extLst>
               <a:ext uri="{909E8E84-426E-40DD-AFC4-6F175D3DCCD1}">
-                <a14:hiddenFill xmlns:a14="http://schemas.microsoft.com/office/drawing/2010/main" xmlns="">
+                <a14:hiddenFill xmlns:a14="http://schemas.microsoft.com/office/drawing/2010/main">
                   <a:solidFill>
                     <a:srgbClr val="FFFFFF"/>
                   </a:solidFill>
@@ -17721,7 +18095,7 @@
     </p:spTree>
     <p:extLst>
       <p:ext uri="{BB962C8B-B14F-4D97-AF65-F5344CB8AC3E}">
-        <p14:creationId xmlns:p14="http://schemas.microsoft.com/office/powerpoint/2010/main" xmlns="" val="51683778"/>
+        <p14:creationId xmlns:p14="http://schemas.microsoft.com/office/powerpoint/2010/main" val="51683778"/>
       </p:ext>
     </p:extLst>
   </p:cSld>
@@ -17929,7 +18303,7 @@
     </p:spTree>
     <p:extLst>
       <p:ext uri="{BB962C8B-B14F-4D97-AF65-F5344CB8AC3E}">
-        <p14:creationId xmlns:p14="http://schemas.microsoft.com/office/powerpoint/2010/main" xmlns="" val="851068985"/>
+        <p14:creationId xmlns:p14="http://schemas.microsoft.com/office/powerpoint/2010/main" val="851068985"/>
       </p:ext>
     </p:extLst>
   </p:cSld>
@@ -18165,7 +18539,7 @@
     </p:spTree>
     <p:extLst>
       <p:ext uri="{BB962C8B-B14F-4D97-AF65-F5344CB8AC3E}">
-        <p14:creationId xmlns:p14="http://schemas.microsoft.com/office/powerpoint/2010/main" xmlns="" val="3381813938"/>
+        <p14:creationId xmlns:p14="http://schemas.microsoft.com/office/powerpoint/2010/main" val="3381813938"/>
       </p:ext>
     </p:extLst>
   </p:cSld>
@@ -18222,14 +18596,14 @@
           <a:effectLst/>
           <a:extLst>
             <a:ext uri="{909E8E84-426E-40DD-AFC4-6F175D3DCCD1}">
-              <a14:hiddenFill xmlns:a14="http://schemas.microsoft.com/office/drawing/2010/main" xmlns="">
+              <a14:hiddenFill xmlns:a14="http://schemas.microsoft.com/office/drawing/2010/main">
                 <a:solidFill>
                   <a:schemeClr val="accent1"/>
                 </a:solidFill>
               </a14:hiddenFill>
             </a:ext>
             <a:ext uri="{91240B29-F687-4F45-9708-019B960494DF}">
-              <a14:hiddenLine xmlns:a14="http://schemas.microsoft.com/office/drawing/2010/main" xmlns="" w="9525">
+              <a14:hiddenLine xmlns:a14="http://schemas.microsoft.com/office/drawing/2010/main" w="9525">
                 <a:solidFill>
                   <a:schemeClr val="tx1"/>
                 </a:solidFill>
@@ -18239,7 +18613,7 @@
               </a14:hiddenLine>
             </a:ext>
             <a:ext uri="{AF507438-7753-43E0-B8FC-AC1667EBCBE1}">
-              <a14:hiddenEffects xmlns:a14="http://schemas.microsoft.com/office/drawing/2010/main" xmlns="">
+              <a14:hiddenEffects xmlns:a14="http://schemas.microsoft.com/office/drawing/2010/main">
                 <a:effectLst>
                   <a:outerShdw dist="35921" dir="2700000" algn="ctr" rotWithShape="0">
                     <a:schemeClr val="bg2"/>
@@ -18274,7 +18648,7 @@
           <a:blip r:embed="rId2" cstate="print">
             <a:extLst>
               <a:ext uri="{28A0092B-C50C-407E-A947-70E740481C1C}">
-                <a14:useLocalDpi xmlns:a14="http://schemas.microsoft.com/office/drawing/2010/main" xmlns="" val="0"/>
+                <a14:useLocalDpi xmlns:a14="http://schemas.microsoft.com/office/drawing/2010/main" val="0"/>
               </a:ext>
             </a:extLst>
           </a:blip>
@@ -18294,7 +18668,7 @@
           <a:noFill/>
           <a:extLst>
             <a:ext uri="{909E8E84-426E-40DD-AFC4-6F175D3DCCD1}">
-              <a14:hiddenFill xmlns:a14="http://schemas.microsoft.com/office/drawing/2010/main" xmlns="">
+              <a14:hiddenFill xmlns:a14="http://schemas.microsoft.com/office/drawing/2010/main">
                 <a:solidFill>
                   <a:srgbClr val="FFFFFF"/>
                 </a:solidFill>
@@ -18402,7 +18776,7 @@
     </p:spTree>
     <p:extLst>
       <p:ext uri="{BB962C8B-B14F-4D97-AF65-F5344CB8AC3E}">
-        <p14:creationId xmlns:p14="http://schemas.microsoft.com/office/powerpoint/2010/main" xmlns="" val="4025277183"/>
+        <p14:creationId xmlns:p14="http://schemas.microsoft.com/office/powerpoint/2010/main" val="4025277183"/>
       </p:ext>
     </p:extLst>
   </p:cSld>
@@ -18720,14 +19094,14 @@
           <a:effectLst/>
           <a:extLst>
             <a:ext uri="{909E8E84-426E-40DD-AFC4-6F175D3DCCD1}">
-              <a14:hiddenFill xmlns:a14="http://schemas.microsoft.com/office/drawing/2010/main" xmlns="">
+              <a14:hiddenFill xmlns:a14="http://schemas.microsoft.com/office/drawing/2010/main">
                 <a:solidFill>
                   <a:schemeClr val="accent1"/>
                 </a:solidFill>
               </a14:hiddenFill>
             </a:ext>
             <a:ext uri="{91240B29-F687-4F45-9708-019B960494DF}">
-              <a14:hiddenLine xmlns:a14="http://schemas.microsoft.com/office/drawing/2010/main" xmlns="" w="9525">
+              <a14:hiddenLine xmlns:a14="http://schemas.microsoft.com/office/drawing/2010/main" w="9525">
                 <a:solidFill>
                   <a:schemeClr val="tx1"/>
                 </a:solidFill>
@@ -18737,7 +19111,7 @@
               </a14:hiddenLine>
             </a:ext>
             <a:ext uri="{AF507438-7753-43E0-B8FC-AC1667EBCBE1}">
-              <a14:hiddenEffects xmlns:a14="http://schemas.microsoft.com/office/drawing/2010/main" xmlns="">
+              <a14:hiddenEffects xmlns:a14="http://schemas.microsoft.com/office/drawing/2010/main">
                 <a:effectLst>
                   <a:outerShdw dist="35921" dir="2700000" algn="ctr" rotWithShape="0">
                     <a:schemeClr val="bg2"/>
@@ -18939,14 +19313,14 @@
           <a:effectLst/>
           <a:extLst>
             <a:ext uri="{909E8E84-426E-40DD-AFC4-6F175D3DCCD1}">
-              <a14:hiddenFill xmlns:a14="http://schemas.microsoft.com/office/drawing/2010/main" xmlns="">
+              <a14:hiddenFill xmlns:a14="http://schemas.microsoft.com/office/drawing/2010/main">
                 <a:solidFill>
                   <a:schemeClr val="accent1"/>
                 </a:solidFill>
               </a14:hiddenFill>
             </a:ext>
             <a:ext uri="{91240B29-F687-4F45-9708-019B960494DF}">
-              <a14:hiddenLine xmlns:a14="http://schemas.microsoft.com/office/drawing/2010/main" xmlns="" w="9525">
+              <a14:hiddenLine xmlns:a14="http://schemas.microsoft.com/office/drawing/2010/main" w="9525">
                 <a:solidFill>
                   <a:schemeClr val="tx1"/>
                 </a:solidFill>
@@ -18956,7 +19330,7 @@
               </a14:hiddenLine>
             </a:ext>
             <a:ext uri="{AF507438-7753-43E0-B8FC-AC1667EBCBE1}">
-              <a14:hiddenEffects xmlns:a14="http://schemas.microsoft.com/office/drawing/2010/main" xmlns="">
+              <a14:hiddenEffects xmlns:a14="http://schemas.microsoft.com/office/drawing/2010/main">
                 <a:effectLst>
                   <a:outerShdw dist="35921" dir="2700000" algn="ctr" rotWithShape="0">
                     <a:schemeClr val="bg2"/>
@@ -19016,14 +19390,14 @@
           <a:effectLst/>
           <a:extLst>
             <a:ext uri="{909E8E84-426E-40DD-AFC4-6F175D3DCCD1}">
-              <a14:hiddenFill xmlns:a14="http://schemas.microsoft.com/office/drawing/2010/main" xmlns="">
+              <a14:hiddenFill xmlns:a14="http://schemas.microsoft.com/office/drawing/2010/main">
                 <a:solidFill>
                   <a:schemeClr val="accent1"/>
                 </a:solidFill>
               </a14:hiddenFill>
             </a:ext>
             <a:ext uri="{91240B29-F687-4F45-9708-019B960494DF}">
-              <a14:hiddenLine xmlns:a14="http://schemas.microsoft.com/office/drawing/2010/main" xmlns="" w="9525">
+              <a14:hiddenLine xmlns:a14="http://schemas.microsoft.com/office/drawing/2010/main" w="9525">
                 <a:solidFill>
                   <a:schemeClr val="tx1"/>
                 </a:solidFill>
@@ -19033,7 +19407,7 @@
               </a14:hiddenLine>
             </a:ext>
             <a:ext uri="{AF507438-7753-43E0-B8FC-AC1667EBCBE1}">
-              <a14:hiddenEffects xmlns:a14="http://schemas.microsoft.com/office/drawing/2010/main" xmlns="">
+              <a14:hiddenEffects xmlns:a14="http://schemas.microsoft.com/office/drawing/2010/main">
                 <a:effectLst>
                   <a:outerShdw dist="35921" dir="2700000" algn="ctr" rotWithShape="0">
                     <a:schemeClr val="bg2"/>
@@ -19227,7 +19601,7 @@
           <a:blip r:embed="rId4" cstate="print">
             <a:extLst>
               <a:ext uri="{28A0092B-C50C-407E-A947-70E740481C1C}">
-                <a14:useLocalDpi xmlns:a14="http://schemas.microsoft.com/office/drawing/2010/main" xmlns="" val="0"/>
+                <a14:useLocalDpi xmlns:a14="http://schemas.microsoft.com/office/drawing/2010/main" val="0"/>
               </a:ext>
             </a:extLst>
           </a:blip>
@@ -19247,7 +19621,7 @@
           <a:noFill/>
           <a:extLst>
             <a:ext uri="{909E8E84-426E-40DD-AFC4-6F175D3DCCD1}">
-              <a14:hiddenFill xmlns:a14="http://schemas.microsoft.com/office/drawing/2010/main" xmlns="">
+              <a14:hiddenFill xmlns:a14="http://schemas.microsoft.com/office/drawing/2010/main">
                 <a:solidFill>
                   <a:srgbClr val="FFFFFF"/>
                 </a:solidFill>
@@ -19493,7 +19867,7 @@
             <a:effectLst/>
             <a:extLst>
               <a:ext uri="{AF507438-7753-43E0-B8FC-AC1667EBCBE1}">
-                <a14:hiddenEffects xmlns:a14="http://schemas.microsoft.com/office/drawing/2010/main" xmlns="">
+                <a14:hiddenEffects xmlns:a14="http://schemas.microsoft.com/office/drawing/2010/main">
                   <a:effectLst>
                     <a:outerShdw dist="35921" dir="2700000" algn="ctr" rotWithShape="0">
                       <a:schemeClr val="bg2"/>
@@ -20216,7 +20590,7 @@
     </p:spTree>
     <p:extLst>
       <p:ext uri="{BB962C8B-B14F-4D97-AF65-F5344CB8AC3E}">
-        <p14:creationId xmlns:p14="http://schemas.microsoft.com/office/powerpoint/2010/main" xmlns="" val="894287167"/>
+        <p14:creationId xmlns:p14="http://schemas.microsoft.com/office/powerpoint/2010/main" val="894287167"/>
       </p:ext>
     </p:extLst>
   </p:cSld>
@@ -20273,14 +20647,14 @@
           <a:effectLst/>
           <a:extLst>
             <a:ext uri="{909E8E84-426E-40DD-AFC4-6F175D3DCCD1}">
-              <a14:hiddenFill xmlns:a14="http://schemas.microsoft.com/office/drawing/2010/main" xmlns="">
+              <a14:hiddenFill xmlns:a14="http://schemas.microsoft.com/office/drawing/2010/main">
                 <a:solidFill>
                   <a:schemeClr val="accent1"/>
                 </a:solidFill>
               </a14:hiddenFill>
             </a:ext>
             <a:ext uri="{91240B29-F687-4F45-9708-019B960494DF}">
-              <a14:hiddenLine xmlns:a14="http://schemas.microsoft.com/office/drawing/2010/main" xmlns="" w="9525">
+              <a14:hiddenLine xmlns:a14="http://schemas.microsoft.com/office/drawing/2010/main" w="9525">
                 <a:solidFill>
                   <a:schemeClr val="tx1"/>
                 </a:solidFill>
@@ -20290,7 +20664,7 @@
               </a14:hiddenLine>
             </a:ext>
             <a:ext uri="{AF507438-7753-43E0-B8FC-AC1667EBCBE1}">
-              <a14:hiddenEffects xmlns:a14="http://schemas.microsoft.com/office/drawing/2010/main" xmlns="">
+              <a14:hiddenEffects xmlns:a14="http://schemas.microsoft.com/office/drawing/2010/main">
                 <a:effectLst>
                   <a:outerShdw dist="35921" dir="2700000" algn="ctr" rotWithShape="0">
                     <a:schemeClr val="bg2"/>
@@ -20416,15 +20790,7 @@
             </a:r>
             <a:r>
               <a:rPr lang="ko-KR" altLang="en-US" sz="2000" dirty="0" smtClean="0"/>
-              <a:t>이동하더라</a:t>
-            </a:r>
-            <a:r>
-              <a:rPr lang="ko-KR" altLang="en-US" sz="2000" dirty="0" smtClean="0"/>
-              <a:t>도</a:t>
-            </a:r>
-            <a:r>
-              <a:rPr lang="ko-KR" altLang="en-US" sz="2000" dirty="0" smtClean="0"/>
-              <a:t> </a:t>
+              <a:t>이동하더라도 </a:t>
             </a:r>
             <a:r>
               <a:rPr lang="ko-KR" altLang="en-US" sz="2000" dirty="0"/>
@@ -20494,7 +20860,7 @@
     </p:spTree>
     <p:extLst>
       <p:ext uri="{BB962C8B-B14F-4D97-AF65-F5344CB8AC3E}">
-        <p14:creationId xmlns:p14="http://schemas.microsoft.com/office/powerpoint/2010/main" xmlns="" val="1980223067"/>
+        <p14:creationId xmlns:p14="http://schemas.microsoft.com/office/powerpoint/2010/main" val="1980223067"/>
       </p:ext>
     </p:extLst>
   </p:cSld>
@@ -20665,7 +21031,7 @@
     </p:spTree>
     <p:extLst>
       <p:ext uri="{BB962C8B-B14F-4D97-AF65-F5344CB8AC3E}">
-        <p14:creationId xmlns:p14="http://schemas.microsoft.com/office/powerpoint/2010/main" xmlns="" val="24266536"/>
+        <p14:creationId xmlns:p14="http://schemas.microsoft.com/office/powerpoint/2010/main" val="24266536"/>
       </p:ext>
     </p:extLst>
   </p:cSld>
@@ -20819,7 +21185,7 @@
     </p:spTree>
     <p:extLst>
       <p:ext uri="{BB962C8B-B14F-4D97-AF65-F5344CB8AC3E}">
-        <p14:creationId xmlns:p14="http://schemas.microsoft.com/office/powerpoint/2010/main" xmlns="" val="611800308"/>
+        <p14:creationId xmlns:p14="http://schemas.microsoft.com/office/powerpoint/2010/main" val="611800308"/>
       </p:ext>
     </p:extLst>
   </p:cSld>
@@ -21025,7 +21391,7 @@
     </p:spTree>
     <p:extLst>
       <p:ext uri="{BB962C8B-B14F-4D97-AF65-F5344CB8AC3E}">
-        <p14:creationId xmlns:p14="http://schemas.microsoft.com/office/powerpoint/2010/main" xmlns="" val="3533832748"/>
+        <p14:creationId xmlns:p14="http://schemas.microsoft.com/office/powerpoint/2010/main" val="3533832748"/>
       </p:ext>
     </p:extLst>
   </p:cSld>
@@ -21187,7 +21553,7 @@
           <p:nvPr>
             <p:extLst>
               <p:ext uri="{D42A27DB-BD31-4B8C-83A1-F6EECF244321}">
-                <p14:modId xmlns:p14="http://schemas.microsoft.com/office/powerpoint/2010/main" xmlns="" val="2312555064"/>
+                <p14:modId xmlns:p14="http://schemas.microsoft.com/office/powerpoint/2010/main" val="2312555064"/>
               </p:ext>
             </p:extLst>
           </p:nvPr>
@@ -21201,7 +21567,13 @@
             <a:tbl>
               <a:tblPr/>
               <a:tblGrid>
-                <a:gridCol w="8424936"/>
+                <a:gridCol w="8424936">
+                  <a:extLst>
+                    <a:ext uri="{9D8B030D-6E8A-4147-A177-3AD203B41FA5}">
+                      <a16:colId xmlns:a16="http://schemas.microsoft.com/office/drawing/2014/main" val="20000"/>
+                    </a:ext>
+                  </a:extLst>
+                </a:gridCol>
               </a:tblGrid>
               <a:tr h="1152127">
                 <a:tc>
@@ -21422,6 +21794,11 @@
                     </a:solidFill>
                   </a:tcPr>
                 </a:tc>
+                <a:extLst>
+                  <a:ext uri="{0D108BD9-81ED-4DB2-BD59-A6C34878D82A}">
+                    <a16:rowId xmlns:a16="http://schemas.microsoft.com/office/drawing/2014/main" val="10000"/>
+                  </a:ext>
+                </a:extLst>
               </a:tr>
             </a:tbl>
           </a:graphicData>
@@ -21450,14 +21827,14 @@
           <a:effectLst/>
           <a:extLst>
             <a:ext uri="{909E8E84-426E-40DD-AFC4-6F175D3DCCD1}">
-              <a14:hiddenFill xmlns:a14="http://schemas.microsoft.com/office/drawing/2010/main" xmlns="">
+              <a14:hiddenFill xmlns:a14="http://schemas.microsoft.com/office/drawing/2010/main">
                 <a:solidFill>
                   <a:schemeClr val="accent1"/>
                 </a:solidFill>
               </a14:hiddenFill>
             </a:ext>
             <a:ext uri="{91240B29-F687-4F45-9708-019B960494DF}">
-              <a14:hiddenLine xmlns:a14="http://schemas.microsoft.com/office/drawing/2010/main" xmlns="" w="9525">
+              <a14:hiddenLine xmlns:a14="http://schemas.microsoft.com/office/drawing/2010/main" w="9525">
                 <a:solidFill>
                   <a:schemeClr val="tx1"/>
                 </a:solidFill>
@@ -21467,7 +21844,7 @@
               </a14:hiddenLine>
             </a:ext>
             <a:ext uri="{AF507438-7753-43E0-B8FC-AC1667EBCBE1}">
-              <a14:hiddenEffects xmlns:a14="http://schemas.microsoft.com/office/drawing/2010/main" xmlns="">
+              <a14:hiddenEffects xmlns:a14="http://schemas.microsoft.com/office/drawing/2010/main">
                 <a:effectLst>
                   <a:outerShdw dist="35921" dir="2700000" algn="ctr" rotWithShape="0">
                     <a:schemeClr val="bg2"/>
@@ -21493,7 +21870,7 @@
     </p:spTree>
     <p:extLst>
       <p:ext uri="{BB962C8B-B14F-4D97-AF65-F5344CB8AC3E}">
-        <p14:creationId xmlns:p14="http://schemas.microsoft.com/office/powerpoint/2010/main" xmlns="" val="2783075551"/>
+        <p14:creationId xmlns:p14="http://schemas.microsoft.com/office/powerpoint/2010/main" val="2783075551"/>
       </p:ext>
     </p:extLst>
   </p:cSld>
@@ -21740,7 +22117,7 @@
           <p:nvPr>
             <p:extLst>
               <p:ext uri="{D42A27DB-BD31-4B8C-83A1-F6EECF244321}">
-                <p14:modId xmlns:p14="http://schemas.microsoft.com/office/powerpoint/2010/main" xmlns="" val="1786332725"/>
+                <p14:modId xmlns:p14="http://schemas.microsoft.com/office/powerpoint/2010/main" val="1786332725"/>
               </p:ext>
             </p:extLst>
           </p:nvPr>
@@ -21754,7 +22131,13 @@
             <a:tbl>
               <a:tblPr/>
               <a:tblGrid>
-                <a:gridCol w="8424936"/>
+                <a:gridCol w="8424936">
+                  <a:extLst>
+                    <a:ext uri="{9D8B030D-6E8A-4147-A177-3AD203B41FA5}">
+                      <a16:colId xmlns:a16="http://schemas.microsoft.com/office/drawing/2014/main" val="20000"/>
+                    </a:ext>
+                  </a:extLst>
+                </a:gridCol>
               </a:tblGrid>
               <a:tr h="457200">
                 <a:tc>
@@ -21827,6 +22210,11 @@
                     </a:solidFill>
                   </a:tcPr>
                 </a:tc>
+                <a:extLst>
+                  <a:ext uri="{0D108BD9-81ED-4DB2-BD59-A6C34878D82A}">
+                    <a16:rowId xmlns:a16="http://schemas.microsoft.com/office/drawing/2014/main" val="10000"/>
+                  </a:ext>
+                </a:extLst>
               </a:tr>
             </a:tbl>
           </a:graphicData>
@@ -21855,14 +22243,14 @@
           <a:effectLst/>
           <a:extLst>
             <a:ext uri="{909E8E84-426E-40DD-AFC4-6F175D3DCCD1}">
-              <a14:hiddenFill xmlns:a14="http://schemas.microsoft.com/office/drawing/2010/main" xmlns="">
+              <a14:hiddenFill xmlns:a14="http://schemas.microsoft.com/office/drawing/2010/main">
                 <a:solidFill>
                   <a:schemeClr val="accent1"/>
                 </a:solidFill>
               </a14:hiddenFill>
             </a:ext>
             <a:ext uri="{91240B29-F687-4F45-9708-019B960494DF}">
-              <a14:hiddenLine xmlns:a14="http://schemas.microsoft.com/office/drawing/2010/main" xmlns="" w="9525">
+              <a14:hiddenLine xmlns:a14="http://schemas.microsoft.com/office/drawing/2010/main" w="9525">
                 <a:solidFill>
                   <a:schemeClr val="tx1"/>
                 </a:solidFill>
@@ -21872,7 +22260,7 @@
               </a14:hiddenLine>
             </a:ext>
             <a:ext uri="{AF507438-7753-43E0-B8FC-AC1667EBCBE1}">
-              <a14:hiddenEffects xmlns:a14="http://schemas.microsoft.com/office/drawing/2010/main" xmlns="">
+              <a14:hiddenEffects xmlns:a14="http://schemas.microsoft.com/office/drawing/2010/main">
                 <a:effectLst>
                   <a:outerShdw dist="35921" dir="2700000" algn="ctr" rotWithShape="0">
                     <a:schemeClr val="bg2"/>
@@ -21904,7 +22292,7 @@
           <p:nvPr>
             <p:extLst>
               <p:ext uri="{D42A27DB-BD31-4B8C-83A1-F6EECF244321}">
-                <p14:modId xmlns:p14="http://schemas.microsoft.com/office/powerpoint/2010/main" xmlns="" val="3455428778"/>
+                <p14:modId xmlns:p14="http://schemas.microsoft.com/office/powerpoint/2010/main" val="3455428778"/>
               </p:ext>
             </p:extLst>
           </p:nvPr>
@@ -21918,7 +22306,13 @@
             <a:tbl>
               <a:tblPr/>
               <a:tblGrid>
-                <a:gridCol w="8424936"/>
+                <a:gridCol w="8424936">
+                  <a:extLst>
+                    <a:ext uri="{9D8B030D-6E8A-4147-A177-3AD203B41FA5}">
+                      <a16:colId xmlns:a16="http://schemas.microsoft.com/office/drawing/2014/main" val="20000"/>
+                    </a:ext>
+                  </a:extLst>
+                </a:gridCol>
               </a:tblGrid>
               <a:tr h="457200">
                 <a:tc>
@@ -22015,6 +22409,11 @@
                     </a:solidFill>
                   </a:tcPr>
                 </a:tc>
+                <a:extLst>
+                  <a:ext uri="{0D108BD9-81ED-4DB2-BD59-A6C34878D82A}">
+                    <a16:rowId xmlns:a16="http://schemas.microsoft.com/office/drawing/2014/main" val="10000"/>
+                  </a:ext>
+                </a:extLst>
               </a:tr>
             </a:tbl>
           </a:graphicData>
@@ -22023,7 +22422,7 @@
     </p:spTree>
     <p:extLst>
       <p:ext uri="{BB962C8B-B14F-4D97-AF65-F5344CB8AC3E}">
-        <p14:creationId xmlns:p14="http://schemas.microsoft.com/office/powerpoint/2010/main" xmlns="" val="2970748395"/>
+        <p14:creationId xmlns:p14="http://schemas.microsoft.com/office/powerpoint/2010/main" val="2970748395"/>
       </p:ext>
     </p:extLst>
   </p:cSld>
